--- a/[Group 01][4P Food][PowerPointSWD].pptx
+++ b/[Group 01][4P Food][PowerPointSWD].pptx
@@ -402,6 +402,11 @@
         </p:txBody>
       </p:sp>
     </p:spTree>
+    <p:extLst>
+      <p:ext uri="{BB962C8B-B14F-4D97-AF65-F5344CB8AC3E}">
+        <p14:creationId xmlns:p14="http://schemas.microsoft.com/office/powerpoint/2010/main" val="2097384738"/>
+      </p:ext>
+    </p:extLst>
   </p:cSld>
   <p:clrMap bg1="lt1" tx1="dk1" bg2="lt2" tx2="dk2" accent1="accent1" accent2="accent2" accent3="accent3" accent4="accent4" accent5="accent5" accent6="accent6" hlink="hlink" folHlink="folHlink"/>
   <p:notesStyle>
@@ -3706,9 +3711,9 @@
           <p:nvPr/>
         </p:nvSpPr>
         <p:spPr>
-          <a:xfrm>
-            <a:off x="7015483" y="3015324"/>
-            <a:ext cx="2145141" cy="45719"/>
+          <a:xfrm flipV="1">
+            <a:off x="7274560" y="2969604"/>
+            <a:ext cx="4064000" cy="45719"/>
           </a:xfrm>
           <a:prstGeom prst="rect">
             <a:avLst/>
@@ -3785,7 +3790,7 @@
           <p:cNvPr id="11" name="Picture 10">
             <a:extLst>
               <a:ext uri="{FF2B5EF4-FFF2-40B4-BE49-F238E27FC236}">
-                <a16:creationId xmlns:a16="http://schemas.microsoft.com/office/drawing/2014/main" id="{F6682682-7311-4193-9A2A-06B5F72B7AB8}"/>
+                <a16:creationId xmlns:a16="http://schemas.microsoft.com/office/drawing/2014/main" xmlns="" id="{F6682682-7311-4193-9A2A-06B5F72B7AB8}"/>
               </a:ext>
             </a:extLst>
           </p:cNvPr>
@@ -3821,7 +3826,7 @@
           <p:cNvPr id="5" name="Picture 4">
             <a:extLst>
               <a:ext uri="{FF2B5EF4-FFF2-40B4-BE49-F238E27FC236}">
-                <a16:creationId xmlns:a16="http://schemas.microsoft.com/office/drawing/2014/main" id="{A339B623-6CC5-4B24-86B4-58412454A3B9}"/>
+                <a16:creationId xmlns:a16="http://schemas.microsoft.com/office/drawing/2014/main" xmlns="" id="{A339B623-6CC5-4B24-86B4-58412454A3B9}"/>
               </a:ext>
             </a:extLst>
           </p:cNvPr>
@@ -3856,7 +3861,7 @@
           <p:cNvPr id="4" name="Hộp Văn bản 3">
             <a:extLst>
               <a:ext uri="{FF2B5EF4-FFF2-40B4-BE49-F238E27FC236}">
-                <a16:creationId xmlns:a16="http://schemas.microsoft.com/office/drawing/2014/main" id="{8521C198-E7C8-4313-91D7-41B22C8564AB}"/>
+                <a16:creationId xmlns:a16="http://schemas.microsoft.com/office/drawing/2014/main" xmlns="" id="{8521C198-E7C8-4313-91D7-41B22C8564AB}"/>
               </a:ext>
             </a:extLst>
           </p:cNvPr>
@@ -3865,7 +3870,7 @@
         </p:nvSpPr>
         <p:spPr>
           <a:xfrm>
-            <a:off x="8667482" y="6143223"/>
+            <a:off x="8286077" y="6150148"/>
             <a:ext cx="3392246" cy="369332"/>
           </a:xfrm>
           <a:prstGeom prst="rect">
@@ -3880,43 +3885,41 @@
           <a:lstStyle/>
           <a:p>
             <a:r>
-              <a:rPr lang="en-US" dirty="0" err="1"/>
-              <a:t>Menter</a:t>
-            </a:r>
-            <a:r>
-              <a:rPr lang="en-US" dirty="0"/>
-              <a:t>: </a:t>
+              <a:rPr lang="en-US" dirty="0" smtClean="0">
+                <a:latin typeface="Nunito" panose="00000500000000000000" pitchFamily="2" charset="0"/>
+              </a:rPr>
+              <a:t>Mentor: </a:t>
             </a:r>
             <a:r>
               <a:rPr lang="vi-VN" dirty="0">
-                <a:latin typeface="Cambria" panose="02040503050406030204" pitchFamily="18" charset="0"/>
+                <a:latin typeface="Nunito" panose="00000500000000000000" pitchFamily="2" charset="0"/>
                 <a:ea typeface="Cambria" panose="02040503050406030204" pitchFamily="18" charset="0"/>
               </a:rPr>
               <a:t>Lương </a:t>
             </a:r>
             <a:r>
               <a:rPr lang="vi-VN" dirty="0" err="1">
-                <a:latin typeface="Cambria" panose="02040503050406030204" pitchFamily="18" charset="0"/>
+                <a:latin typeface="Nunito" panose="00000500000000000000" pitchFamily="2" charset="0"/>
                 <a:ea typeface="Cambria" panose="02040503050406030204" pitchFamily="18" charset="0"/>
               </a:rPr>
               <a:t>Hoàng</a:t>
             </a:r>
             <a:r>
               <a:rPr lang="vi-VN" dirty="0">
-                <a:latin typeface="Cambria" panose="02040503050406030204" pitchFamily="18" charset="0"/>
+                <a:latin typeface="Nunito" panose="00000500000000000000" pitchFamily="2" charset="0"/>
                 <a:ea typeface="Cambria" panose="02040503050406030204" pitchFamily="18" charset="0"/>
               </a:rPr>
               <a:t> </a:t>
             </a:r>
             <a:r>
               <a:rPr lang="vi-VN" dirty="0" err="1">
-                <a:latin typeface="Cambria" panose="02040503050406030204" pitchFamily="18" charset="0"/>
+                <a:latin typeface="Nunito" panose="00000500000000000000" pitchFamily="2" charset="0"/>
                 <a:ea typeface="Cambria" panose="02040503050406030204" pitchFamily="18" charset="0"/>
               </a:rPr>
               <a:t>Hướng</a:t>
             </a:r>
             <a:endParaRPr lang="en-US" dirty="0">
-              <a:latin typeface="Cambria" panose="02040503050406030204" pitchFamily="18" charset="0"/>
+              <a:latin typeface="Nunito" panose="00000500000000000000" pitchFamily="2" charset="0"/>
               <a:ea typeface="Cambria" panose="02040503050406030204" pitchFamily="18" charset="0"/>
             </a:endParaRPr>
           </a:p>
@@ -3952,7 +3955,7 @@
           <p:cNvPr id="4" name="Chỗ dành sẵn cho Chân trang 3">
             <a:extLst>
               <a:ext uri="{FF2B5EF4-FFF2-40B4-BE49-F238E27FC236}">
-                <a16:creationId xmlns:a16="http://schemas.microsoft.com/office/drawing/2014/main" id="{21ECBF59-7B66-48C6-A8B9-2653ED115E1F}"/>
+                <a16:creationId xmlns:a16="http://schemas.microsoft.com/office/drawing/2014/main" xmlns="" id="{21ECBF59-7B66-48C6-A8B9-2653ED115E1F}"/>
               </a:ext>
             </a:extLst>
           </p:cNvPr>
@@ -3981,7 +3984,7 @@
           <p:cNvPr id="5" name="Chỗ dành sẵn cho Số hiệu Bản chiếu 4">
             <a:extLst>
               <a:ext uri="{FF2B5EF4-FFF2-40B4-BE49-F238E27FC236}">
-                <a16:creationId xmlns:a16="http://schemas.microsoft.com/office/drawing/2014/main" id="{AAAF2169-4406-4275-80B8-58246F7EF001}"/>
+                <a16:creationId xmlns:a16="http://schemas.microsoft.com/office/drawing/2014/main" xmlns="" id="{AAAF2169-4406-4275-80B8-58246F7EF001}"/>
               </a:ext>
             </a:extLst>
           </p:cNvPr>
@@ -4010,7 +4013,7 @@
           <p:cNvPr id="6" name="TextBox 14">
             <a:extLst>
               <a:ext uri="{FF2B5EF4-FFF2-40B4-BE49-F238E27FC236}">
-                <a16:creationId xmlns:a16="http://schemas.microsoft.com/office/drawing/2014/main" id="{7BC1312A-4607-4BD1-A0D9-6C5D3DA7F332}"/>
+                <a16:creationId xmlns:a16="http://schemas.microsoft.com/office/drawing/2014/main" xmlns="" id="{7BC1312A-4607-4BD1-A0D9-6C5D3DA7F332}"/>
               </a:ext>
             </a:extLst>
           </p:cNvPr>
@@ -4035,7 +4038,7 @@
           <a:p>
             <a:r>
               <a:rPr lang="en-GB" sz="3200" dirty="0">
-                <a:latin typeface="Nunito" panose="00000500000000000000" pitchFamily="2" charset="0"/>
+                <a:latin typeface="Roboto" panose="02000000000000000000" pitchFamily="2" charset="0"/>
                 <a:ea typeface="Roboto" panose="02000000000000000000" pitchFamily="2" charset="0"/>
               </a:rPr>
               <a:t>Activity Diagram</a:t>
@@ -4048,7 +4051,7 @@
           <p:cNvPr id="7" name="Group 10">
             <a:extLst>
               <a:ext uri="{FF2B5EF4-FFF2-40B4-BE49-F238E27FC236}">
-                <a16:creationId xmlns:a16="http://schemas.microsoft.com/office/drawing/2014/main" id="{600A1EF7-3B3C-44AD-9CEA-B5CECEE74671}"/>
+                <a16:creationId xmlns:a16="http://schemas.microsoft.com/office/drawing/2014/main" xmlns="" id="{600A1EF7-3B3C-44AD-9CEA-B5CECEE74671}"/>
               </a:ext>
             </a:extLst>
           </p:cNvPr>
@@ -4071,7 +4074,7 @@
             <p:cNvPr id="8" name="Freeform: Shape 11">
               <a:extLst>
                 <a:ext uri="{FF2B5EF4-FFF2-40B4-BE49-F238E27FC236}">
-                  <a16:creationId xmlns:a16="http://schemas.microsoft.com/office/drawing/2014/main" id="{B20327CA-5D03-479B-85DB-35BBEB974980}"/>
+                  <a16:creationId xmlns:a16="http://schemas.microsoft.com/office/drawing/2014/main" xmlns="" id="{B20327CA-5D03-479B-85DB-35BBEB974980}"/>
                 </a:ext>
               </a:extLst>
             </p:cNvPr>
@@ -4164,7 +4167,7 @@
             <p:cNvPr id="9" name="Hexagon 12">
               <a:extLst>
                 <a:ext uri="{FF2B5EF4-FFF2-40B4-BE49-F238E27FC236}">
-                  <a16:creationId xmlns:a16="http://schemas.microsoft.com/office/drawing/2014/main" id="{3359D3B7-ED18-46AF-9EEB-7AFBFA766CE5}"/>
+                  <a16:creationId xmlns:a16="http://schemas.microsoft.com/office/drawing/2014/main" xmlns="" id="{3359D3B7-ED18-46AF-9EEB-7AFBFA766CE5}"/>
                 </a:ext>
               </a:extLst>
             </p:cNvPr>
@@ -4218,7 +4221,7 @@
             <p:cNvPr id="10" name="Freeform: Shape 13">
               <a:extLst>
                 <a:ext uri="{FF2B5EF4-FFF2-40B4-BE49-F238E27FC236}">
-                  <a16:creationId xmlns:a16="http://schemas.microsoft.com/office/drawing/2014/main" id="{37CA3FDB-85A2-4073-95D5-61EABC85DCBF}"/>
+                  <a16:creationId xmlns:a16="http://schemas.microsoft.com/office/drawing/2014/main" xmlns="" id="{37CA3FDB-85A2-4073-95D5-61EABC85DCBF}"/>
                 </a:ext>
               </a:extLst>
             </p:cNvPr>
@@ -4323,48 +4326,12 @@
           </p:txBody>
         </p:sp>
       </p:grpSp>
-      <p:pic>
-        <p:nvPicPr>
-          <p:cNvPr id="3" name="Hình ảnh 2">
-            <a:extLst>
-              <a:ext uri="{FF2B5EF4-FFF2-40B4-BE49-F238E27FC236}">
-                <a16:creationId xmlns:a16="http://schemas.microsoft.com/office/drawing/2014/main" id="{8A2A1398-AB26-49B4-B729-72A6ED5391E3}"/>
-              </a:ext>
-            </a:extLst>
-          </p:cNvPr>
-          <p:cNvPicPr>
-            <a:picLocks noChangeAspect="1"/>
-          </p:cNvPicPr>
-          <p:nvPr/>
-        </p:nvPicPr>
-        <p:blipFill>
-          <a:blip r:embed="rId2">
-            <a:extLst>
-              <a:ext uri="{28A0092B-C50C-407E-A947-70E740481C1C}">
-                <a14:useLocalDpi xmlns:a14="http://schemas.microsoft.com/office/drawing/2010/main" val="0"/>
-              </a:ext>
-            </a:extLst>
-          </a:blip>
-          <a:stretch>
-            <a:fillRect/>
-          </a:stretch>
-        </p:blipFill>
-        <p:spPr>
-          <a:xfrm>
-            <a:off x="382436" y="1803790"/>
-            <a:ext cx="11420101" cy="4495963"/>
-          </a:xfrm>
-          <a:prstGeom prst="rect">
-            <a:avLst/>
-          </a:prstGeom>
-        </p:spPr>
-      </p:pic>
       <p:sp>
         <p:nvSpPr>
           <p:cNvPr id="11" name="Hộp Văn bản 10">
             <a:extLst>
               <a:ext uri="{FF2B5EF4-FFF2-40B4-BE49-F238E27FC236}">
-                <a16:creationId xmlns:a16="http://schemas.microsoft.com/office/drawing/2014/main" id="{1EAE8DA2-86E3-45DF-93D9-ADE4CF81B4A7}"/>
+                <a16:creationId xmlns:a16="http://schemas.microsoft.com/office/drawing/2014/main" xmlns="" id="{1EAE8DA2-86E3-45DF-93D9-ADE4CF81B4A7}"/>
               </a:ext>
             </a:extLst>
           </p:cNvPr>
@@ -4399,7 +4366,7 @@
           <p:cNvPr id="12" name="Picture 27">
             <a:extLst>
               <a:ext uri="{FF2B5EF4-FFF2-40B4-BE49-F238E27FC236}">
-                <a16:creationId xmlns:a16="http://schemas.microsoft.com/office/drawing/2014/main" id="{B150AEC6-8349-4C17-82BD-424A2335CB35}"/>
+                <a16:creationId xmlns:a16="http://schemas.microsoft.com/office/drawing/2014/main" xmlns="" id="{B150AEC6-8349-4C17-82BD-424A2335CB35}"/>
               </a:ext>
             </a:extLst>
           </p:cNvPr>
@@ -4409,7 +4376,7 @@
           <p:nvPr/>
         </p:nvPicPr>
         <p:blipFill>
-          <a:blip r:embed="rId3" cstate="print">
+          <a:blip r:embed="rId2" cstate="print">
             <a:extLst>
               <a:ext uri="{28A0092B-C50C-407E-A947-70E740481C1C}">
                 <a14:useLocalDpi xmlns:a14="http://schemas.microsoft.com/office/drawing/2010/main" val="0"/>
@@ -4424,6 +4391,36 @@
           <a:xfrm>
             <a:off x="9982200" y="407196"/>
             <a:ext cx="1632625" cy="382647"/>
+          </a:xfrm>
+          <a:prstGeom prst="rect">
+            <a:avLst/>
+          </a:prstGeom>
+        </p:spPr>
+      </p:pic>
+      <p:pic>
+        <p:nvPicPr>
+          <p:cNvPr id="13" name="Picture 12"/>
+          <p:cNvPicPr>
+            <a:picLocks noChangeAspect="1"/>
+          </p:cNvPicPr>
+          <p:nvPr/>
+        </p:nvPicPr>
+        <p:blipFill>
+          <a:blip r:embed="rId3">
+            <a:extLst>
+              <a:ext uri="{28A0092B-C50C-407E-A947-70E740481C1C}">
+                <a14:useLocalDpi xmlns:a14="http://schemas.microsoft.com/office/drawing/2010/main" val="0"/>
+              </a:ext>
+            </a:extLst>
+          </a:blip>
+          <a:stretch>
+            <a:fillRect/>
+          </a:stretch>
+        </p:blipFill>
+        <p:spPr>
+          <a:xfrm>
+            <a:off x="142239" y="1294596"/>
+            <a:ext cx="11846953" cy="4242603"/>
           </a:xfrm>
           <a:prstGeom prst="rect">
             <a:avLst/>
@@ -4644,7 +4641,7 @@
           <p:cNvPr id="4" name="Chỗ dành sẵn cho Chân trang 3">
             <a:extLst>
               <a:ext uri="{FF2B5EF4-FFF2-40B4-BE49-F238E27FC236}">
-                <a16:creationId xmlns:a16="http://schemas.microsoft.com/office/drawing/2014/main" id="{21ECBF59-7B66-48C6-A8B9-2653ED115E1F}"/>
+                <a16:creationId xmlns:a16="http://schemas.microsoft.com/office/drawing/2014/main" xmlns="" id="{21ECBF59-7B66-48C6-A8B9-2653ED115E1F}"/>
               </a:ext>
             </a:extLst>
           </p:cNvPr>
@@ -4673,7 +4670,7 @@
           <p:cNvPr id="5" name="Chỗ dành sẵn cho Số hiệu Bản chiếu 4">
             <a:extLst>
               <a:ext uri="{FF2B5EF4-FFF2-40B4-BE49-F238E27FC236}">
-                <a16:creationId xmlns:a16="http://schemas.microsoft.com/office/drawing/2014/main" id="{AAAF2169-4406-4275-80B8-58246F7EF001}"/>
+                <a16:creationId xmlns:a16="http://schemas.microsoft.com/office/drawing/2014/main" xmlns="" id="{AAAF2169-4406-4275-80B8-58246F7EF001}"/>
               </a:ext>
             </a:extLst>
           </p:cNvPr>
@@ -4702,7 +4699,7 @@
           <p:cNvPr id="6" name="TextBox 14">
             <a:extLst>
               <a:ext uri="{FF2B5EF4-FFF2-40B4-BE49-F238E27FC236}">
-                <a16:creationId xmlns:a16="http://schemas.microsoft.com/office/drawing/2014/main" id="{7BC1312A-4607-4BD1-A0D9-6C5D3DA7F332}"/>
+                <a16:creationId xmlns:a16="http://schemas.microsoft.com/office/drawing/2014/main" xmlns="" id="{7BC1312A-4607-4BD1-A0D9-6C5D3DA7F332}"/>
               </a:ext>
             </a:extLst>
           </p:cNvPr>
@@ -4727,7 +4724,7 @@
           <a:p>
             <a:r>
               <a:rPr lang="en-GB" sz="3200" dirty="0">
-                <a:latin typeface="Nunito" panose="00000500000000000000" pitchFamily="2" charset="0"/>
+                <a:latin typeface="Roboto" panose="02000000000000000000" pitchFamily="2" charset="0"/>
                 <a:ea typeface="Roboto" panose="02000000000000000000" pitchFamily="2" charset="0"/>
               </a:rPr>
               <a:t>Activity Diagram</a:t>
@@ -4740,7 +4737,7 @@
           <p:cNvPr id="7" name="Group 10">
             <a:extLst>
               <a:ext uri="{FF2B5EF4-FFF2-40B4-BE49-F238E27FC236}">
-                <a16:creationId xmlns:a16="http://schemas.microsoft.com/office/drawing/2014/main" id="{600A1EF7-3B3C-44AD-9CEA-B5CECEE74671}"/>
+                <a16:creationId xmlns:a16="http://schemas.microsoft.com/office/drawing/2014/main" xmlns="" id="{600A1EF7-3B3C-44AD-9CEA-B5CECEE74671}"/>
               </a:ext>
             </a:extLst>
           </p:cNvPr>
@@ -4763,7 +4760,7 @@
             <p:cNvPr id="8" name="Freeform: Shape 11">
               <a:extLst>
                 <a:ext uri="{FF2B5EF4-FFF2-40B4-BE49-F238E27FC236}">
-                  <a16:creationId xmlns:a16="http://schemas.microsoft.com/office/drawing/2014/main" id="{B20327CA-5D03-479B-85DB-35BBEB974980}"/>
+                  <a16:creationId xmlns:a16="http://schemas.microsoft.com/office/drawing/2014/main" xmlns="" id="{B20327CA-5D03-479B-85DB-35BBEB974980}"/>
                 </a:ext>
               </a:extLst>
             </p:cNvPr>
@@ -4856,7 +4853,7 @@
             <p:cNvPr id="9" name="Hexagon 12">
               <a:extLst>
                 <a:ext uri="{FF2B5EF4-FFF2-40B4-BE49-F238E27FC236}">
-                  <a16:creationId xmlns:a16="http://schemas.microsoft.com/office/drawing/2014/main" id="{3359D3B7-ED18-46AF-9EEB-7AFBFA766CE5}"/>
+                  <a16:creationId xmlns:a16="http://schemas.microsoft.com/office/drawing/2014/main" xmlns="" id="{3359D3B7-ED18-46AF-9EEB-7AFBFA766CE5}"/>
                 </a:ext>
               </a:extLst>
             </p:cNvPr>
@@ -4910,7 +4907,7 @@
             <p:cNvPr id="10" name="Freeform: Shape 13">
               <a:extLst>
                 <a:ext uri="{FF2B5EF4-FFF2-40B4-BE49-F238E27FC236}">
-                  <a16:creationId xmlns:a16="http://schemas.microsoft.com/office/drawing/2014/main" id="{37CA3FDB-85A2-4073-95D5-61EABC85DCBF}"/>
+                  <a16:creationId xmlns:a16="http://schemas.microsoft.com/office/drawing/2014/main" xmlns="" id="{37CA3FDB-85A2-4073-95D5-61EABC85DCBF}"/>
                 </a:ext>
               </a:extLst>
             </p:cNvPr>
@@ -5015,12 +5012,52 @@
           </p:txBody>
         </p:sp>
       </p:grpSp>
+      <p:sp>
+        <p:nvSpPr>
+          <p:cNvPr id="11" name="Hộp Văn bản 10">
+            <a:extLst>
+              <a:ext uri="{FF2B5EF4-FFF2-40B4-BE49-F238E27FC236}">
+                <a16:creationId xmlns:a16="http://schemas.microsoft.com/office/drawing/2014/main" xmlns="" id="{B204BA61-6BD7-4397-B309-72C56D110E9B}"/>
+              </a:ext>
+            </a:extLst>
+          </p:cNvPr>
+          <p:cNvSpPr txBox="1"/>
+          <p:nvPr/>
+        </p:nvSpPr>
+        <p:spPr>
+          <a:xfrm>
+            <a:off x="1433094" y="925265"/>
+            <a:ext cx="1279626" cy="369332"/>
+          </a:xfrm>
+          <a:prstGeom prst="rect">
+            <a:avLst/>
+          </a:prstGeom>
+          <a:noFill/>
+        </p:spPr>
+        <p:txBody>
+          <a:bodyPr wrap="square" rtlCol="0">
+            <a:spAutoFit/>
+          </a:bodyPr>
+          <a:lstStyle/>
+          <a:p>
+            <a:r>
+              <a:rPr lang="en-US" dirty="0" smtClean="0">
+                <a:latin typeface="Nunito" panose="00000500000000000000" pitchFamily="2" charset="0"/>
+              </a:rPr>
+              <a:t>Employee</a:t>
+            </a:r>
+            <a:endParaRPr lang="en-US" dirty="0">
+              <a:latin typeface="Nunito" panose="00000500000000000000" pitchFamily="2" charset="0"/>
+            </a:endParaRPr>
+          </a:p>
+        </p:txBody>
+      </p:sp>
       <p:pic>
         <p:nvPicPr>
-          <p:cNvPr id="3" name="Hình ảnh 2">
+          <p:cNvPr id="12" name="Picture 27">
             <a:extLst>
               <a:ext uri="{FF2B5EF4-FFF2-40B4-BE49-F238E27FC236}">
-                <a16:creationId xmlns:a16="http://schemas.microsoft.com/office/drawing/2014/main" id="{C09C3A63-8F38-4981-B7FC-799D04C663F2}"/>
+                <a16:creationId xmlns:a16="http://schemas.microsoft.com/office/drawing/2014/main" xmlns="" id="{1B0C2CD6-CBA2-4D84-973C-1E24629BB5B3}"/>
               </a:ext>
             </a:extLst>
           </p:cNvPr>
@@ -5030,7 +5067,7 @@
           <p:nvPr/>
         </p:nvPicPr>
         <p:blipFill>
-          <a:blip r:embed="rId2">
+          <a:blip r:embed="rId2" cstate="print">
             <a:extLst>
               <a:ext uri="{28A0092B-C50C-407E-A947-70E740481C1C}">
                 <a14:useLocalDpi xmlns:a14="http://schemas.microsoft.com/office/drawing/2010/main" val="0"/>
@@ -5043,59 +5080,17 @@
         </p:blipFill>
         <p:spPr>
           <a:xfrm>
-            <a:off x="2898134" y="789843"/>
-            <a:ext cx="6194834" cy="5566507"/>
+            <a:off x="9982200" y="407196"/>
+            <a:ext cx="1632625" cy="382647"/>
           </a:xfrm>
           <a:prstGeom prst="rect">
             <a:avLst/>
           </a:prstGeom>
         </p:spPr>
       </p:pic>
-      <p:sp>
-        <p:nvSpPr>
-          <p:cNvPr id="11" name="Hộp Văn bản 10">
-            <a:extLst>
-              <a:ext uri="{FF2B5EF4-FFF2-40B4-BE49-F238E27FC236}">
-                <a16:creationId xmlns:a16="http://schemas.microsoft.com/office/drawing/2014/main" id="{B204BA61-6BD7-4397-B309-72C56D110E9B}"/>
-              </a:ext>
-            </a:extLst>
-          </p:cNvPr>
-          <p:cNvSpPr txBox="1"/>
-          <p:nvPr/>
-        </p:nvSpPr>
-        <p:spPr>
-          <a:xfrm>
-            <a:off x="1433094" y="925265"/>
-            <a:ext cx="1039649" cy="369332"/>
-          </a:xfrm>
-          <a:prstGeom prst="rect">
-            <a:avLst/>
-          </a:prstGeom>
-          <a:noFill/>
-        </p:spPr>
-        <p:txBody>
-          <a:bodyPr wrap="square" rtlCol="0">
-            <a:spAutoFit/>
-          </a:bodyPr>
-          <a:lstStyle/>
-          <a:p>
-            <a:r>
-              <a:rPr lang="en-US" dirty="0" err="1"/>
-              <a:t>Emplyee</a:t>
-            </a:r>
-            <a:endParaRPr lang="en-US" dirty="0"/>
-          </a:p>
-        </p:txBody>
-      </p:sp>
       <p:pic>
         <p:nvPicPr>
-          <p:cNvPr id="12" name="Picture 27">
-            <a:extLst>
-              <a:ext uri="{FF2B5EF4-FFF2-40B4-BE49-F238E27FC236}">
-                <a16:creationId xmlns:a16="http://schemas.microsoft.com/office/drawing/2014/main" id="{1B0C2CD6-CBA2-4D84-973C-1E24629BB5B3}"/>
-              </a:ext>
-            </a:extLst>
-          </p:cNvPr>
+          <p:cNvPr id="14" name="Picture 13"/>
           <p:cNvPicPr>
             <a:picLocks noChangeAspect="1"/>
           </p:cNvPicPr>
@@ -5115,8 +5110,8 @@
         </p:blipFill>
         <p:spPr>
           <a:xfrm>
-            <a:off x="9982200" y="407196"/>
-            <a:ext cx="1632625" cy="382647"/>
+            <a:off x="3419648" y="921588"/>
+            <a:ext cx="5352703" cy="5202735"/>
           </a:xfrm>
           <a:prstGeom prst="rect">
             <a:avLst/>
@@ -5337,7 +5332,7 @@
           <p:cNvPr id="4" name="Chỗ dành sẵn cho Chân trang 3">
             <a:extLst>
               <a:ext uri="{FF2B5EF4-FFF2-40B4-BE49-F238E27FC236}">
-                <a16:creationId xmlns:a16="http://schemas.microsoft.com/office/drawing/2014/main" id="{21ECBF59-7B66-48C6-A8B9-2653ED115E1F}"/>
+                <a16:creationId xmlns:a16="http://schemas.microsoft.com/office/drawing/2014/main" xmlns="" id="{21ECBF59-7B66-48C6-A8B9-2653ED115E1F}"/>
               </a:ext>
             </a:extLst>
           </p:cNvPr>
@@ -5366,7 +5361,7 @@
           <p:cNvPr id="5" name="Chỗ dành sẵn cho Số hiệu Bản chiếu 4">
             <a:extLst>
               <a:ext uri="{FF2B5EF4-FFF2-40B4-BE49-F238E27FC236}">
-                <a16:creationId xmlns:a16="http://schemas.microsoft.com/office/drawing/2014/main" id="{AAAF2169-4406-4275-80B8-58246F7EF001}"/>
+                <a16:creationId xmlns:a16="http://schemas.microsoft.com/office/drawing/2014/main" xmlns="" id="{AAAF2169-4406-4275-80B8-58246F7EF001}"/>
               </a:ext>
             </a:extLst>
           </p:cNvPr>
@@ -5395,7 +5390,7 @@
           <p:cNvPr id="6" name="TextBox 14">
             <a:extLst>
               <a:ext uri="{FF2B5EF4-FFF2-40B4-BE49-F238E27FC236}">
-                <a16:creationId xmlns:a16="http://schemas.microsoft.com/office/drawing/2014/main" id="{7BC1312A-4607-4BD1-A0D9-6C5D3DA7F332}"/>
+                <a16:creationId xmlns:a16="http://schemas.microsoft.com/office/drawing/2014/main" xmlns="" id="{7BC1312A-4607-4BD1-A0D9-6C5D3DA7F332}"/>
               </a:ext>
             </a:extLst>
           </p:cNvPr>
@@ -5420,7 +5415,7 @@
           <a:p>
             <a:r>
               <a:rPr lang="en-GB" sz="3200" dirty="0">
-                <a:latin typeface="Nunito" panose="00000500000000000000" pitchFamily="2" charset="0"/>
+                <a:latin typeface="Roboto" panose="02000000000000000000" pitchFamily="2" charset="0"/>
                 <a:ea typeface="Roboto" panose="02000000000000000000" pitchFamily="2" charset="0"/>
               </a:rPr>
               <a:t>Activity Diagram</a:t>
@@ -5433,7 +5428,7 @@
           <p:cNvPr id="7" name="Group 10">
             <a:extLst>
               <a:ext uri="{FF2B5EF4-FFF2-40B4-BE49-F238E27FC236}">
-                <a16:creationId xmlns:a16="http://schemas.microsoft.com/office/drawing/2014/main" id="{600A1EF7-3B3C-44AD-9CEA-B5CECEE74671}"/>
+                <a16:creationId xmlns:a16="http://schemas.microsoft.com/office/drawing/2014/main" xmlns="" id="{600A1EF7-3B3C-44AD-9CEA-B5CECEE74671}"/>
               </a:ext>
             </a:extLst>
           </p:cNvPr>
@@ -5456,7 +5451,7 @@
             <p:cNvPr id="8" name="Freeform: Shape 11">
               <a:extLst>
                 <a:ext uri="{FF2B5EF4-FFF2-40B4-BE49-F238E27FC236}">
-                  <a16:creationId xmlns:a16="http://schemas.microsoft.com/office/drawing/2014/main" id="{B20327CA-5D03-479B-85DB-35BBEB974980}"/>
+                  <a16:creationId xmlns:a16="http://schemas.microsoft.com/office/drawing/2014/main" xmlns="" id="{B20327CA-5D03-479B-85DB-35BBEB974980}"/>
                 </a:ext>
               </a:extLst>
             </p:cNvPr>
@@ -5549,7 +5544,7 @@
             <p:cNvPr id="9" name="Hexagon 12">
               <a:extLst>
                 <a:ext uri="{FF2B5EF4-FFF2-40B4-BE49-F238E27FC236}">
-                  <a16:creationId xmlns:a16="http://schemas.microsoft.com/office/drawing/2014/main" id="{3359D3B7-ED18-46AF-9EEB-7AFBFA766CE5}"/>
+                  <a16:creationId xmlns:a16="http://schemas.microsoft.com/office/drawing/2014/main" xmlns="" id="{3359D3B7-ED18-46AF-9EEB-7AFBFA766CE5}"/>
                 </a:ext>
               </a:extLst>
             </p:cNvPr>
@@ -5603,7 +5598,7 @@
             <p:cNvPr id="10" name="Freeform: Shape 13">
               <a:extLst>
                 <a:ext uri="{FF2B5EF4-FFF2-40B4-BE49-F238E27FC236}">
-                  <a16:creationId xmlns:a16="http://schemas.microsoft.com/office/drawing/2014/main" id="{37CA3FDB-85A2-4073-95D5-61EABC85DCBF}"/>
+                  <a16:creationId xmlns:a16="http://schemas.microsoft.com/office/drawing/2014/main" xmlns="" id="{37CA3FDB-85A2-4073-95D5-61EABC85DCBF}"/>
                 </a:ext>
               </a:extLst>
             </p:cNvPr>
@@ -5708,48 +5703,12 @@
           </p:txBody>
         </p:sp>
       </p:grpSp>
-      <p:pic>
-        <p:nvPicPr>
-          <p:cNvPr id="3" name="Hình ảnh 2">
-            <a:extLst>
-              <a:ext uri="{FF2B5EF4-FFF2-40B4-BE49-F238E27FC236}">
-                <a16:creationId xmlns:a16="http://schemas.microsoft.com/office/drawing/2014/main" id="{268B8199-A5A5-4A73-9F79-7D5D126AC232}"/>
-              </a:ext>
-            </a:extLst>
-          </p:cNvPr>
-          <p:cNvPicPr>
-            <a:picLocks noChangeAspect="1"/>
-          </p:cNvPicPr>
-          <p:nvPr/>
-        </p:nvPicPr>
-        <p:blipFill>
-          <a:blip r:embed="rId2">
-            <a:extLst>
-              <a:ext uri="{28A0092B-C50C-407E-A947-70E740481C1C}">
-                <a14:useLocalDpi xmlns:a14="http://schemas.microsoft.com/office/drawing/2010/main" val="0"/>
-              </a:ext>
-            </a:extLst>
-          </a:blip>
-          <a:stretch>
-            <a:fillRect/>
-          </a:stretch>
-        </p:blipFill>
-        <p:spPr>
-          <a:xfrm>
-            <a:off x="5352910" y="702525"/>
-            <a:ext cx="1486179" cy="5653825"/>
-          </a:xfrm>
-          <a:prstGeom prst="rect">
-            <a:avLst/>
-          </a:prstGeom>
-        </p:spPr>
-      </p:pic>
       <p:sp>
         <p:nvSpPr>
           <p:cNvPr id="11" name="Hộp Văn bản 10">
             <a:extLst>
               <a:ext uri="{FF2B5EF4-FFF2-40B4-BE49-F238E27FC236}">
-                <a16:creationId xmlns:a16="http://schemas.microsoft.com/office/drawing/2014/main" id="{4E656D3A-B423-4536-B3E8-838F95F30CF6}"/>
+                <a16:creationId xmlns:a16="http://schemas.microsoft.com/office/drawing/2014/main" xmlns="" id="{4E656D3A-B423-4536-B3E8-838F95F30CF6}"/>
               </a:ext>
             </a:extLst>
           </p:cNvPr>
@@ -5773,7 +5732,9 @@
           <a:lstStyle/>
           <a:p>
             <a:r>
-              <a:rPr lang="en-US" dirty="0"/>
+              <a:rPr lang="en-US" dirty="0">
+                <a:latin typeface="Nunito" panose="00000500000000000000" pitchFamily="2" charset="0"/>
+              </a:rPr>
               <a:t>User</a:t>
             </a:r>
           </a:p>
@@ -5784,7 +5745,7 @@
           <p:cNvPr id="12" name="Picture 27">
             <a:extLst>
               <a:ext uri="{FF2B5EF4-FFF2-40B4-BE49-F238E27FC236}">
-                <a16:creationId xmlns:a16="http://schemas.microsoft.com/office/drawing/2014/main" id="{01CD0DFB-82EB-40DF-A40F-B3AE43BEFC81}"/>
+                <a16:creationId xmlns:a16="http://schemas.microsoft.com/office/drawing/2014/main" xmlns="" id="{01CD0DFB-82EB-40DF-A40F-B3AE43BEFC81}"/>
               </a:ext>
             </a:extLst>
           </p:cNvPr>
@@ -5794,7 +5755,7 @@
           <p:nvPr/>
         </p:nvPicPr>
         <p:blipFill>
-          <a:blip r:embed="rId3" cstate="print">
+          <a:blip r:embed="rId2" cstate="print">
             <a:extLst>
               <a:ext uri="{28A0092B-C50C-407E-A947-70E740481C1C}">
                 <a14:useLocalDpi xmlns:a14="http://schemas.microsoft.com/office/drawing/2010/main" val="0"/>
@@ -5809,6 +5770,36 @@
           <a:xfrm>
             <a:off x="9982200" y="407196"/>
             <a:ext cx="1632625" cy="382647"/>
+          </a:xfrm>
+          <a:prstGeom prst="rect">
+            <a:avLst/>
+          </a:prstGeom>
+        </p:spPr>
+      </p:pic>
+      <p:pic>
+        <p:nvPicPr>
+          <p:cNvPr id="2" name="Picture 1"/>
+          <p:cNvPicPr>
+            <a:picLocks noChangeAspect="1"/>
+          </p:cNvPicPr>
+          <p:nvPr/>
+        </p:nvPicPr>
+        <p:blipFill>
+          <a:blip r:embed="rId3">
+            <a:extLst>
+              <a:ext uri="{28A0092B-C50C-407E-A947-70E740481C1C}">
+                <a14:useLocalDpi xmlns:a14="http://schemas.microsoft.com/office/drawing/2010/main" val="0"/>
+              </a:ext>
+            </a:extLst>
+          </a:blip>
+          <a:stretch>
+            <a:fillRect/>
+          </a:stretch>
+        </p:blipFill>
+        <p:spPr>
+          <a:xfrm>
+            <a:off x="2221706" y="921588"/>
+            <a:ext cx="7748587" cy="4864277"/>
           </a:xfrm>
           <a:prstGeom prst="rect">
             <a:avLst/>
@@ -6029,7 +6020,7 @@
           <p:cNvPr id="4" name="Chỗ dành sẵn cho Chân trang 3">
             <a:extLst>
               <a:ext uri="{FF2B5EF4-FFF2-40B4-BE49-F238E27FC236}">
-                <a16:creationId xmlns:a16="http://schemas.microsoft.com/office/drawing/2014/main" id="{21ECBF59-7B66-48C6-A8B9-2653ED115E1F}"/>
+                <a16:creationId xmlns:a16="http://schemas.microsoft.com/office/drawing/2014/main" xmlns="" id="{21ECBF59-7B66-48C6-A8B9-2653ED115E1F}"/>
               </a:ext>
             </a:extLst>
           </p:cNvPr>
@@ -6058,7 +6049,7 @@
           <p:cNvPr id="5" name="Chỗ dành sẵn cho Số hiệu Bản chiếu 4">
             <a:extLst>
               <a:ext uri="{FF2B5EF4-FFF2-40B4-BE49-F238E27FC236}">
-                <a16:creationId xmlns:a16="http://schemas.microsoft.com/office/drawing/2014/main" id="{AAAF2169-4406-4275-80B8-58246F7EF001}"/>
+                <a16:creationId xmlns:a16="http://schemas.microsoft.com/office/drawing/2014/main" xmlns="" id="{AAAF2169-4406-4275-80B8-58246F7EF001}"/>
               </a:ext>
             </a:extLst>
           </p:cNvPr>
@@ -6087,7 +6078,7 @@
           <p:cNvPr id="11" name="Picture 2" descr="Siberian Husky - are there  any questions?">
             <a:extLst>
               <a:ext uri="{FF2B5EF4-FFF2-40B4-BE49-F238E27FC236}">
-                <a16:creationId xmlns:a16="http://schemas.microsoft.com/office/drawing/2014/main" id="{2B2B8DBD-1AEC-4A59-AC27-7065C9DCAB7C}"/>
+                <a16:creationId xmlns:a16="http://schemas.microsoft.com/office/drawing/2014/main" xmlns="" id="{2B2B8DBD-1AEC-4A59-AC27-7065C9DCAB7C}"/>
               </a:ext>
             </a:extLst>
           </p:cNvPr>
@@ -6111,7 +6102,7 @@
         </p:blipFill>
         <p:spPr bwMode="auto">
           <a:xfrm>
-            <a:off x="2552700" y="814558"/>
+            <a:off x="2552700" y="915621"/>
             <a:ext cx="7086600" cy="5314950"/>
           </a:xfrm>
           <a:prstGeom prst="rect">
@@ -6134,7 +6125,7 @@
           <p:cNvPr id="12" name="Picture 27">
             <a:extLst>
               <a:ext uri="{FF2B5EF4-FFF2-40B4-BE49-F238E27FC236}">
-                <a16:creationId xmlns:a16="http://schemas.microsoft.com/office/drawing/2014/main" id="{F5C69C3C-C417-4616-A0C4-F4E55C31C866}"/>
+                <a16:creationId xmlns:a16="http://schemas.microsoft.com/office/drawing/2014/main" xmlns="" id="{F5C69C3C-C417-4616-A0C4-F4E55C31C866}"/>
               </a:ext>
             </a:extLst>
           </p:cNvPr>
@@ -6170,7 +6161,7 @@
           <p:cNvPr id="13" name="Group 10">
             <a:extLst>
               <a:ext uri="{FF2B5EF4-FFF2-40B4-BE49-F238E27FC236}">
-                <a16:creationId xmlns:a16="http://schemas.microsoft.com/office/drawing/2014/main" id="{784AF5CD-D29B-4B85-8611-1353753238DB}"/>
+                <a16:creationId xmlns:a16="http://schemas.microsoft.com/office/drawing/2014/main" xmlns="" id="{784AF5CD-D29B-4B85-8611-1353753238DB}"/>
               </a:ext>
             </a:extLst>
           </p:cNvPr>
@@ -6193,7 +6184,7 @@
             <p:cNvPr id="14" name="Freeform: Shape 11">
               <a:extLst>
                 <a:ext uri="{FF2B5EF4-FFF2-40B4-BE49-F238E27FC236}">
-                  <a16:creationId xmlns:a16="http://schemas.microsoft.com/office/drawing/2014/main" id="{8D6647DF-39FD-46EE-8F12-A4709441C19D}"/>
+                  <a16:creationId xmlns:a16="http://schemas.microsoft.com/office/drawing/2014/main" xmlns="" id="{8D6647DF-39FD-46EE-8F12-A4709441C19D}"/>
                 </a:ext>
               </a:extLst>
             </p:cNvPr>
@@ -6286,7 +6277,7 @@
             <p:cNvPr id="15" name="Hexagon 12">
               <a:extLst>
                 <a:ext uri="{FF2B5EF4-FFF2-40B4-BE49-F238E27FC236}">
-                  <a16:creationId xmlns:a16="http://schemas.microsoft.com/office/drawing/2014/main" id="{3E22EEB6-C955-4D41-A944-16142EE6CEE4}"/>
+                  <a16:creationId xmlns:a16="http://schemas.microsoft.com/office/drawing/2014/main" xmlns="" id="{3E22EEB6-C955-4D41-A944-16142EE6CEE4}"/>
                 </a:ext>
               </a:extLst>
             </p:cNvPr>
@@ -6340,7 +6331,7 @@
             <p:cNvPr id="16" name="Freeform: Shape 13">
               <a:extLst>
                 <a:ext uri="{FF2B5EF4-FFF2-40B4-BE49-F238E27FC236}">
-                  <a16:creationId xmlns:a16="http://schemas.microsoft.com/office/drawing/2014/main" id="{139C7990-DFA3-4CF7-8298-16F644F5D434}"/>
+                  <a16:creationId xmlns:a16="http://schemas.microsoft.com/office/drawing/2014/main" xmlns="" id="{139C7990-DFA3-4CF7-8298-16F644F5D434}"/>
                 </a:ext>
               </a:extLst>
             </p:cNvPr>
@@ -6445,6 +6436,48 @@
           </p:txBody>
         </p:sp>
       </p:grpSp>
+      <p:sp>
+        <p:nvSpPr>
+          <p:cNvPr id="10" name="TextBox 14">
+            <a:extLst>
+              <a:ext uri="{FF2B5EF4-FFF2-40B4-BE49-F238E27FC236}">
+                <a16:creationId xmlns:a16="http://schemas.microsoft.com/office/drawing/2014/main" xmlns="" id="{7BC1312A-4607-4BD1-A0D9-6C5D3DA7F332}"/>
+              </a:ext>
+            </a:extLst>
+          </p:cNvPr>
+          <p:cNvSpPr txBox="1"/>
+          <p:nvPr/>
+        </p:nvSpPr>
+        <p:spPr>
+          <a:xfrm>
+            <a:off x="1138686" y="205068"/>
+            <a:ext cx="6883096" cy="584775"/>
+          </a:xfrm>
+          <a:prstGeom prst="rect">
+            <a:avLst/>
+          </a:prstGeom>
+          <a:noFill/>
+        </p:spPr>
+        <p:txBody>
+          <a:bodyPr wrap="square" rtlCol="0">
+            <a:spAutoFit/>
+          </a:bodyPr>
+          <a:lstStyle/>
+          <a:p>
+            <a:r>
+              <a:rPr lang="en-GB" sz="3200" dirty="0" smtClean="0">
+                <a:latin typeface="Roboto" panose="02000000000000000000" pitchFamily="2" charset="0"/>
+                <a:ea typeface="Roboto" panose="02000000000000000000" pitchFamily="2" charset="0"/>
+              </a:rPr>
+              <a:t>Questions and Answers</a:t>
+            </a:r>
+            <a:endParaRPr lang="en-GB" sz="3200" dirty="0">
+              <a:latin typeface="Roboto" panose="02000000000000000000" pitchFamily="2" charset="0"/>
+              <a:ea typeface="Roboto" panose="02000000000000000000" pitchFamily="2" charset="0"/>
+            </a:endParaRPr>
+          </a:p>
+        </p:txBody>
+      </p:sp>
     </p:spTree>
     <p:extLst>
       <p:ext uri="{BB962C8B-B14F-4D97-AF65-F5344CB8AC3E}">
@@ -6629,6 +6662,73 @@
                             </p:childTnLst>
                           </p:cTn>
                         </p:par>
+                        <p:par>
+                          <p:cTn id="15" fill="hold">
+                            <p:stCondLst>
+                              <p:cond delay="1500"/>
+                            </p:stCondLst>
+                            <p:childTnLst>
+                              <p:par>
+                                <p:cTn id="16" presetID="12" presetClass="entr" presetSubtype="8" fill="hold" grpId="0" nodeType="afterEffect">
+                                  <p:stCondLst>
+                                    <p:cond delay="0"/>
+                                  </p:stCondLst>
+                                  <p:childTnLst>
+                                    <p:set>
+                                      <p:cBhvr>
+                                        <p:cTn id="17" dur="1" fill="hold">
+                                          <p:stCondLst>
+                                            <p:cond delay="0"/>
+                                          </p:stCondLst>
+                                        </p:cTn>
+                                        <p:tgtEl>
+                                          <p:spTgt spid="10"/>
+                                        </p:tgtEl>
+                                        <p:attrNameLst>
+                                          <p:attrName>style.visibility</p:attrName>
+                                        </p:attrNameLst>
+                                      </p:cBhvr>
+                                      <p:to>
+                                        <p:strVal val="visible"/>
+                                      </p:to>
+                                    </p:set>
+                                    <p:anim calcmode="lin" valueType="num">
+                                      <p:cBhvr additive="base">
+                                        <p:cTn id="18" dur="500"/>
+                                        <p:tgtEl>
+                                          <p:spTgt spid="10"/>
+                                        </p:tgtEl>
+                                        <p:attrNameLst>
+                                          <p:attrName>ppt_x</p:attrName>
+                                        </p:attrNameLst>
+                                      </p:cBhvr>
+                                      <p:tavLst>
+                                        <p:tav tm="0">
+                                          <p:val>
+                                            <p:strVal val="#ppt_x-#ppt_w*1.125000"/>
+                                          </p:val>
+                                        </p:tav>
+                                        <p:tav tm="100000">
+                                          <p:val>
+                                            <p:strVal val="#ppt_x"/>
+                                          </p:val>
+                                        </p:tav>
+                                      </p:tavLst>
+                                    </p:anim>
+                                    <p:animEffect transition="in" filter="wipe(right)">
+                                      <p:cBhvr>
+                                        <p:cTn id="19" dur="500"/>
+                                        <p:tgtEl>
+                                          <p:spTgt spid="10"/>
+                                        </p:tgtEl>
+                                      </p:cBhvr>
+                                    </p:animEffect>
+                                  </p:childTnLst>
+                                </p:cTn>
+                              </p:par>
+                            </p:childTnLst>
+                          </p:cTn>
+                        </p:par>
                       </p:childTnLst>
                     </p:cTn>
                   </p:par>
@@ -6653,6 +6753,9 @@
         </p:cTn>
       </p:par>
     </p:tnLst>
+    <p:bldLst>
+      <p:bldP spid="10" grpId="0"/>
+    </p:bldLst>
   </p:timing>
 </p:sld>
 </file>
@@ -7264,18 +7367,11 @@
             <a:lstStyle/>
             <a:p>
               <a:r>
-                <a:rPr lang="en-GB" sz="2200" dirty="0" err="1">
-                  <a:latin typeface="Nunito" panose="00000500000000000000" pitchFamily="2" charset="0"/>
-                  <a:ea typeface="Roboto" panose="02000000000000000000" pitchFamily="2" charset="0"/>
-                </a:rPr>
-                <a:t>Usercase</a:t>
-              </a:r>
-              <a:r>
                 <a:rPr lang="en-GB" sz="2200" dirty="0">
                   <a:latin typeface="Nunito" panose="00000500000000000000" pitchFamily="2" charset="0"/>
                   <a:ea typeface="Roboto" panose="02000000000000000000" pitchFamily="2" charset="0"/>
                 </a:rPr>
-                <a:t> Diagram</a:t>
+                <a:t>Usercase Diagram</a:t>
               </a:r>
             </a:p>
           </p:txBody>
@@ -7499,7 +7595,7 @@
           <p:cNvPr id="23" name="Group 22">
             <a:extLst>
               <a:ext uri="{FF2B5EF4-FFF2-40B4-BE49-F238E27FC236}">
-                <a16:creationId xmlns:a16="http://schemas.microsoft.com/office/drawing/2014/main" id="{5580CB83-26E4-46F4-860B-D6D3315DF578}"/>
+                <a16:creationId xmlns:a16="http://schemas.microsoft.com/office/drawing/2014/main" xmlns="" id="{5580CB83-26E4-46F4-860B-D6D3315DF578}"/>
               </a:ext>
             </a:extLst>
           </p:cNvPr>
@@ -7519,7 +7615,7 @@
             <p:cNvPr id="25" name="Rectangle 30">
               <a:extLst>
                 <a:ext uri="{FF2B5EF4-FFF2-40B4-BE49-F238E27FC236}">
-                  <a16:creationId xmlns:a16="http://schemas.microsoft.com/office/drawing/2014/main" id="{9DCD5E35-F6DF-4B2D-8093-92B6EF43BC57}"/>
+                  <a16:creationId xmlns:a16="http://schemas.microsoft.com/office/drawing/2014/main" xmlns="" id="{9DCD5E35-F6DF-4B2D-8093-92B6EF43BC57}"/>
                 </a:ext>
               </a:extLst>
             </p:cNvPr>
@@ -7581,7 +7677,7 @@
             <p:cNvPr id="26" name="TextBox 31">
               <a:extLst>
                 <a:ext uri="{FF2B5EF4-FFF2-40B4-BE49-F238E27FC236}">
-                  <a16:creationId xmlns:a16="http://schemas.microsoft.com/office/drawing/2014/main" id="{F04243AA-2C07-4D6E-8594-C135919BA1E9}"/>
+                  <a16:creationId xmlns:a16="http://schemas.microsoft.com/office/drawing/2014/main" xmlns="" id="{F04243AA-2C07-4D6E-8594-C135919BA1E9}"/>
                 </a:ext>
               </a:extLst>
             </p:cNvPr>
@@ -7620,7 +7716,7 @@
           <p:cNvPr id="27" name="Group 32">
             <a:extLst>
               <a:ext uri="{FF2B5EF4-FFF2-40B4-BE49-F238E27FC236}">
-                <a16:creationId xmlns:a16="http://schemas.microsoft.com/office/drawing/2014/main" id="{4147AD0C-E7D0-41C9-A84D-9A27C5E4DADE}"/>
+                <a16:creationId xmlns:a16="http://schemas.microsoft.com/office/drawing/2014/main" xmlns="" id="{4147AD0C-E7D0-41C9-A84D-9A27C5E4DADE}"/>
               </a:ext>
             </a:extLst>
           </p:cNvPr>
@@ -7640,7 +7736,7 @@
             <p:cNvPr id="28" name="Rectangle 33">
               <a:extLst>
                 <a:ext uri="{FF2B5EF4-FFF2-40B4-BE49-F238E27FC236}">
-                  <a16:creationId xmlns:a16="http://schemas.microsoft.com/office/drawing/2014/main" id="{59ADD14F-FB53-46AD-BA47-184990F876B3}"/>
+                  <a16:creationId xmlns:a16="http://schemas.microsoft.com/office/drawing/2014/main" xmlns="" id="{59ADD14F-FB53-46AD-BA47-184990F876B3}"/>
                 </a:ext>
               </a:extLst>
             </p:cNvPr>
@@ -7688,8 +7784,12 @@
                   <a:latin typeface="Roboto" panose="02000000000000000000" pitchFamily="2" charset="0"/>
                   <a:ea typeface="Roboto" panose="02000000000000000000" pitchFamily="2" charset="0"/>
                 </a:rPr>
-                <a:t>5</a:t>
+                <a:t>6</a:t>
               </a:r>
+              <a:endParaRPr lang="en-US" altLang="en-GB" sz="2800" dirty="0">
+                <a:latin typeface="Roboto" panose="02000000000000000000" pitchFamily="2" charset="0"/>
+                <a:ea typeface="Roboto" panose="02000000000000000000" pitchFamily="2" charset="0"/>
+              </a:endParaRPr>
             </a:p>
           </p:txBody>
         </p:sp>
@@ -7698,7 +7798,7 @@
             <p:cNvPr id="29" name="TextBox 34">
               <a:extLst>
                 <a:ext uri="{FF2B5EF4-FFF2-40B4-BE49-F238E27FC236}">
-                  <a16:creationId xmlns:a16="http://schemas.microsoft.com/office/drawing/2014/main" id="{1FAFEC5E-BBA3-4BF6-B3FD-B2A64A73E2E5}"/>
+                  <a16:creationId xmlns:a16="http://schemas.microsoft.com/office/drawing/2014/main" xmlns="" id="{1FAFEC5E-BBA3-4BF6-B3FD-B2A64A73E2E5}"/>
                 </a:ext>
               </a:extLst>
             </p:cNvPr>
@@ -8412,7 +8512,7 @@
                     <a:lumMod val="25000"/>
                   </a:schemeClr>
                 </a:solidFill>
-                <a:latin typeface="Nunito" panose="00000500000000000000" pitchFamily="2" charset="0"/>
+                <a:latin typeface="Roboto" panose="02000000000000000000" pitchFamily="2" charset="0"/>
                 <a:ea typeface="Roboto" panose="02000000000000000000" pitchFamily="2" charset="0"/>
               </a:rPr>
               <a:t>Problem definition</a:t>
@@ -8756,7 +8856,7 @@
           <p:cNvPr id="2052" name="Picture 2">
             <a:extLst>
               <a:ext uri="{FF2B5EF4-FFF2-40B4-BE49-F238E27FC236}">
-                <a16:creationId xmlns:a16="http://schemas.microsoft.com/office/drawing/2014/main" id="{2405CC3A-6BE9-4421-8441-19FA678E8749}"/>
+                <a16:creationId xmlns:a16="http://schemas.microsoft.com/office/drawing/2014/main" xmlns="" id="{2405CC3A-6BE9-4421-8441-19FA678E8749}"/>
               </a:ext>
             </a:extLst>
           </p:cNvPr>
@@ -8803,7 +8903,7 @@
           <p:cNvPr id="8" name="Rectangle 6">
             <a:extLst>
               <a:ext uri="{FF2B5EF4-FFF2-40B4-BE49-F238E27FC236}">
-                <a16:creationId xmlns:a16="http://schemas.microsoft.com/office/drawing/2014/main" id="{17CB310D-8D6C-4725-A805-668CD5BFB60E}"/>
+                <a16:creationId xmlns:a16="http://schemas.microsoft.com/office/drawing/2014/main" xmlns="" id="{17CB310D-8D6C-4725-A805-668CD5BFB60E}"/>
               </a:ext>
             </a:extLst>
           </p:cNvPr>
@@ -8814,8 +8914,8 @@
         </p:nvSpPr>
         <p:spPr bwMode="auto">
           <a:xfrm>
-            <a:off x="5377936" y="1758788"/>
-            <a:ext cx="5550927" cy="2800767"/>
+            <a:off x="5377936" y="2005010"/>
+            <a:ext cx="5550927" cy="2308324"/>
           </a:xfrm>
           <a:prstGeom prst="rect">
             <a:avLst/>
@@ -9019,18 +9119,17 @@
           <a:p>
             <a:pPr lvl="0" algn="just"/>
             <a:r>
-              <a:rPr lang="en-US" altLang="ja-JP" sz="1600" dirty="0">
-                <a:ea typeface="Times New Roman" panose="02020603050405020304" pitchFamily="18" charset="0"/>
-                <a:cs typeface="Arial" panose="020B0604020202020204" pitchFamily="34" charset="0"/>
+              <a:rPr lang="en-US" sz="1600" dirty="0">
+                <a:latin typeface="Nunito" panose="00000500000000000000" pitchFamily="2" charset="0"/>
               </a:rPr>
-              <a:t>Building integrated restaurant chain and restaurant management applications for wrong purposes to help customers find places and place orders. 4PFood is a service that connects local food businesses with the people. 4P has always brought people to the things that matter to them and now we are committed to bringing the important things closer to them. When you place an order with 4PFood, we will receive the goods, send it to the restaurant and assign a 4PFood delivery partner to take the order to bring it to you. 4P helps you to keep seats at the restaurants you want to visit.</a:t>
+              <a:t>Building integrated restaurant and restaurant management applications for wrong purposes to help customers find places and place orders. 4PFood is a service that connects local culinary restaurants with the people. 4P has always brought people to the things that matter to them and now we are committed to bringing what matters closer to everyone. When you book a table with 4PFood, we will hold a seat for you at the restaurant and prepare the food you ordered on the app.</a:t>
             </a:r>
             <a:endParaRPr kumimoji="0" lang="vi-VN" altLang="ja-JP" sz="1600" b="0" i="0" u="none" strike="noStrike" cap="none" normalizeH="0" baseline="0" dirty="0">
               <a:ln>
                 <a:noFill/>
               </a:ln>
               <a:effectLst/>
-              <a:latin typeface="Arial" panose="020B0604020202020204" pitchFamily="34" charset="0"/>
+              <a:latin typeface="Nunito" panose="00000500000000000000" pitchFamily="2" charset="0"/>
             </a:endParaRPr>
           </a:p>
         </p:txBody>
@@ -9263,7 +9362,7 @@
           <a:p>
             <a:r>
               <a:rPr lang="en-US" altLang="en-GB" sz="3200" dirty="0">
-                <a:latin typeface="Nunito" panose="00000500000000000000" pitchFamily="2" charset="0"/>
+                <a:latin typeface="Roboto" panose="02000000000000000000" pitchFamily="2" charset="0"/>
                 <a:ea typeface="Roboto" panose="02000000000000000000" pitchFamily="2" charset="0"/>
               </a:rPr>
               <a:t>Database Diagram</a:t>
@@ -9607,7 +9706,7 @@
           <p:cNvPr id="3" name="Hình ảnh 2">
             <a:extLst>
               <a:ext uri="{FF2B5EF4-FFF2-40B4-BE49-F238E27FC236}">
-                <a16:creationId xmlns:a16="http://schemas.microsoft.com/office/drawing/2014/main" id="{85E97D2B-2C70-4EB3-9551-96DB22ABF46D}"/>
+                <a16:creationId xmlns:a16="http://schemas.microsoft.com/office/drawing/2014/main" xmlns="" id="{85E97D2B-2C70-4EB3-9551-96DB22ABF46D}"/>
               </a:ext>
             </a:extLst>
           </p:cNvPr>
@@ -9630,7 +9729,7 @@
         </p:blipFill>
         <p:spPr>
           <a:xfrm>
-            <a:off x="1914290" y="957853"/>
+            <a:off x="1914290" y="873848"/>
             <a:ext cx="7679026" cy="5398497"/>
           </a:xfrm>
           <a:prstGeom prst="rect">
@@ -9871,7 +9970,7 @@
           <a:p>
             <a:r>
               <a:rPr lang="en-US" altLang="en-GB" sz="3200" dirty="0">
-                <a:latin typeface="Nunito" panose="00000500000000000000" pitchFamily="2" charset="0"/>
+                <a:latin typeface="Roboto" panose="02000000000000000000" pitchFamily="2" charset="0"/>
                 <a:ea typeface="Roboto" panose="02000000000000000000" pitchFamily="2" charset="0"/>
               </a:rPr>
               <a:t>Class Diagram</a:t>
@@ -10212,13 +10311,7 @@
       </p:pic>
       <p:pic>
         <p:nvPicPr>
-          <p:cNvPr id="3" name="Hình ảnh 2">
-            <a:extLst>
-              <a:ext uri="{FF2B5EF4-FFF2-40B4-BE49-F238E27FC236}">
-                <a16:creationId xmlns:a16="http://schemas.microsoft.com/office/drawing/2014/main" id="{1740D545-A253-44C8-A830-4FC1F96C0EF1}"/>
-              </a:ext>
-            </a:extLst>
-          </p:cNvPr>
+          <p:cNvPr id="5" name="Picture 4"/>
           <p:cNvPicPr>
             <a:picLocks noChangeAspect="1"/>
           </p:cNvPicPr>
@@ -10238,8 +10331,8 @@
         </p:blipFill>
         <p:spPr>
           <a:xfrm>
-            <a:off x="2020558" y="789843"/>
-            <a:ext cx="7612839" cy="5561673"/>
+            <a:off x="2619783" y="733245"/>
+            <a:ext cx="6952434" cy="5079204"/>
           </a:xfrm>
           <a:prstGeom prst="rect">
             <a:avLst/>
@@ -10460,7 +10553,7 @@
           <p:cNvPr id="4" name="Chỗ dành sẵn cho Chân trang 3">
             <a:extLst>
               <a:ext uri="{FF2B5EF4-FFF2-40B4-BE49-F238E27FC236}">
-                <a16:creationId xmlns:a16="http://schemas.microsoft.com/office/drawing/2014/main" id="{F60D979E-D0B0-4533-BA3D-8BF148D78EBE}"/>
+                <a16:creationId xmlns:a16="http://schemas.microsoft.com/office/drawing/2014/main" xmlns="" id="{F60D979E-D0B0-4533-BA3D-8BF148D78EBE}"/>
               </a:ext>
             </a:extLst>
           </p:cNvPr>
@@ -10489,7 +10582,7 @@
           <p:cNvPr id="5" name="Chỗ dành sẵn cho Số hiệu Bản chiếu 4">
             <a:extLst>
               <a:ext uri="{FF2B5EF4-FFF2-40B4-BE49-F238E27FC236}">
-                <a16:creationId xmlns:a16="http://schemas.microsoft.com/office/drawing/2014/main" id="{D2B81066-38D6-4CFB-A030-D8A994C515BB}"/>
+                <a16:creationId xmlns:a16="http://schemas.microsoft.com/office/drawing/2014/main" xmlns="" id="{D2B81066-38D6-4CFB-A030-D8A994C515BB}"/>
               </a:ext>
             </a:extLst>
           </p:cNvPr>
@@ -10518,7 +10611,7 @@
           <p:cNvPr id="6" name="TextBox 14">
             <a:extLst>
               <a:ext uri="{FF2B5EF4-FFF2-40B4-BE49-F238E27FC236}">
-                <a16:creationId xmlns:a16="http://schemas.microsoft.com/office/drawing/2014/main" id="{6A86A1AB-266E-4059-8CE2-51FF4FF61A1F}"/>
+                <a16:creationId xmlns:a16="http://schemas.microsoft.com/office/drawing/2014/main" xmlns="" id="{6A86A1AB-266E-4059-8CE2-51FF4FF61A1F}"/>
               </a:ext>
             </a:extLst>
           </p:cNvPr>
@@ -10528,7 +10621,7 @@
         <p:spPr>
           <a:xfrm>
             <a:off x="1138686" y="205068"/>
-            <a:ext cx="6883096" cy="584775"/>
+            <a:ext cx="6883096" cy="1077218"/>
           </a:xfrm>
           <a:prstGeom prst="rect">
             <a:avLst/>
@@ -10543,13 +10636,13 @@
           <a:p>
             <a:r>
               <a:rPr lang="en-US" sz="3200" dirty="0">
-                <a:latin typeface="Nunito" panose="00000500000000000000" pitchFamily="2" charset="0"/>
+                <a:latin typeface="Roboto" panose="02000000000000000000" pitchFamily="2" charset="0"/>
                 <a:ea typeface="Roboto" panose="02000000000000000000" pitchFamily="2" charset="0"/>
               </a:rPr>
               <a:t>The Overall Architecture Of The System</a:t>
             </a:r>
             <a:endParaRPr lang="en-GB" sz="3200" dirty="0">
-              <a:latin typeface="Nunito" panose="00000500000000000000" pitchFamily="2" charset="0"/>
+              <a:latin typeface="Roboto" panose="02000000000000000000" pitchFamily="2" charset="0"/>
               <a:ea typeface="Roboto" panose="02000000000000000000" pitchFamily="2" charset="0"/>
             </a:endParaRPr>
           </a:p>
@@ -10560,7 +10653,7 @@
           <p:cNvPr id="7" name="Group 10">
             <a:extLst>
               <a:ext uri="{FF2B5EF4-FFF2-40B4-BE49-F238E27FC236}">
-                <a16:creationId xmlns:a16="http://schemas.microsoft.com/office/drawing/2014/main" id="{0320FD92-AD39-4F30-B2CF-69DB73C9BE4E}"/>
+                <a16:creationId xmlns:a16="http://schemas.microsoft.com/office/drawing/2014/main" xmlns="" id="{0320FD92-AD39-4F30-B2CF-69DB73C9BE4E}"/>
               </a:ext>
             </a:extLst>
           </p:cNvPr>
@@ -10583,7 +10676,7 @@
             <p:cNvPr id="8" name="Freeform: Shape 11">
               <a:extLst>
                 <a:ext uri="{FF2B5EF4-FFF2-40B4-BE49-F238E27FC236}">
-                  <a16:creationId xmlns:a16="http://schemas.microsoft.com/office/drawing/2014/main" id="{85AB6B2F-0A4B-4406-B7B3-9579FCE57DCD}"/>
+                  <a16:creationId xmlns:a16="http://schemas.microsoft.com/office/drawing/2014/main" xmlns="" id="{85AB6B2F-0A4B-4406-B7B3-9579FCE57DCD}"/>
                 </a:ext>
               </a:extLst>
             </p:cNvPr>
@@ -10676,7 +10769,7 @@
             <p:cNvPr id="9" name="Hexagon 12">
               <a:extLst>
                 <a:ext uri="{FF2B5EF4-FFF2-40B4-BE49-F238E27FC236}">
-                  <a16:creationId xmlns:a16="http://schemas.microsoft.com/office/drawing/2014/main" id="{1DF45DC4-6FC0-4098-873C-63DFD6B602DD}"/>
+                  <a16:creationId xmlns:a16="http://schemas.microsoft.com/office/drawing/2014/main" xmlns="" id="{1DF45DC4-6FC0-4098-873C-63DFD6B602DD}"/>
                 </a:ext>
               </a:extLst>
             </p:cNvPr>
@@ -10730,7 +10823,7 @@
             <p:cNvPr id="10" name="Freeform: Shape 13">
               <a:extLst>
                 <a:ext uri="{FF2B5EF4-FFF2-40B4-BE49-F238E27FC236}">
-                  <a16:creationId xmlns:a16="http://schemas.microsoft.com/office/drawing/2014/main" id="{678C7F5C-1AFF-4A4C-9740-D4A96E264D6B}"/>
+                  <a16:creationId xmlns:a16="http://schemas.microsoft.com/office/drawing/2014/main" xmlns="" id="{678C7F5C-1AFF-4A4C-9740-D4A96E264D6B}"/>
                 </a:ext>
               </a:extLst>
             </p:cNvPr>
@@ -10837,10 +10930,10 @@
       </p:grpSp>
       <p:pic>
         <p:nvPicPr>
-          <p:cNvPr id="12" name="Hình ảnh 11">
+          <p:cNvPr id="13" name="Picture 27">
             <a:extLst>
               <a:ext uri="{FF2B5EF4-FFF2-40B4-BE49-F238E27FC236}">
-                <a16:creationId xmlns:a16="http://schemas.microsoft.com/office/drawing/2014/main" id="{CEB5E491-B0B1-4588-8296-969388B3B2D6}"/>
+                <a16:creationId xmlns:a16="http://schemas.microsoft.com/office/drawing/2014/main" xmlns="" id="{C149F9BD-BBC7-4AC5-915B-C93078B07EEA}"/>
               </a:ext>
             </a:extLst>
           </p:cNvPr>
@@ -10850,43 +10943,7 @@
           <p:nvPr/>
         </p:nvPicPr>
         <p:blipFill>
-          <a:blip r:embed="rId2">
-            <a:extLst>
-              <a:ext uri="{28A0092B-C50C-407E-A947-70E740481C1C}">
-                <a14:useLocalDpi xmlns:a14="http://schemas.microsoft.com/office/drawing/2010/main" val="0"/>
-              </a:ext>
-            </a:extLst>
-          </a:blip>
-          <a:stretch>
-            <a:fillRect/>
-          </a:stretch>
-        </p:blipFill>
-        <p:spPr>
-          <a:xfrm>
-            <a:off x="3932607" y="921588"/>
-            <a:ext cx="4326785" cy="5009961"/>
-          </a:xfrm>
-          <a:prstGeom prst="rect">
-            <a:avLst/>
-          </a:prstGeom>
-        </p:spPr>
-      </p:pic>
-      <p:pic>
-        <p:nvPicPr>
-          <p:cNvPr id="13" name="Picture 27">
-            <a:extLst>
-              <a:ext uri="{FF2B5EF4-FFF2-40B4-BE49-F238E27FC236}">
-                <a16:creationId xmlns:a16="http://schemas.microsoft.com/office/drawing/2014/main" id="{C149F9BD-BBC7-4AC5-915B-C93078B07EEA}"/>
-              </a:ext>
-            </a:extLst>
-          </p:cNvPr>
-          <p:cNvPicPr>
-            <a:picLocks noChangeAspect="1"/>
-          </p:cNvPicPr>
-          <p:nvPr/>
-        </p:nvPicPr>
-        <p:blipFill>
-          <a:blip r:embed="rId3" cstate="print">
+          <a:blip r:embed="rId2" cstate="print">
             <a:extLst>
               <a:ext uri="{28A0092B-C50C-407E-A947-70E740481C1C}">
                 <a14:useLocalDpi xmlns:a14="http://schemas.microsoft.com/office/drawing/2010/main" val="0"/>
@@ -10901,6 +10958,36 @@
           <a:xfrm>
             <a:off x="9982200" y="407196"/>
             <a:ext cx="1632625" cy="382647"/>
+          </a:xfrm>
+          <a:prstGeom prst="rect">
+            <a:avLst/>
+          </a:prstGeom>
+        </p:spPr>
+      </p:pic>
+      <p:pic>
+        <p:nvPicPr>
+          <p:cNvPr id="2" name="Picture 1"/>
+          <p:cNvPicPr>
+            <a:picLocks noChangeAspect="1"/>
+          </p:cNvPicPr>
+          <p:nvPr/>
+        </p:nvPicPr>
+        <p:blipFill>
+          <a:blip r:embed="rId3">
+            <a:extLst>
+              <a:ext uri="{28A0092B-C50C-407E-A947-70E740481C1C}">
+                <a14:useLocalDpi xmlns:a14="http://schemas.microsoft.com/office/drawing/2010/main" val="0"/>
+              </a:ext>
+            </a:extLst>
+          </a:blip>
+          <a:stretch>
+            <a:fillRect/>
+          </a:stretch>
+        </p:blipFill>
+        <p:spPr>
+          <a:xfrm>
+            <a:off x="2924175" y="1077547"/>
+            <a:ext cx="6343650" cy="4991100"/>
           </a:xfrm>
           <a:prstGeom prst="rect">
             <a:avLst/>
@@ -11116,12 +11203,42 @@
           <a:chExt cx="0" cy="0"/>
         </a:xfrm>
       </p:grpSpPr>
+      <p:pic>
+        <p:nvPicPr>
+          <p:cNvPr id="2" name="Picture 1"/>
+          <p:cNvPicPr>
+            <a:picLocks noChangeAspect="1"/>
+          </p:cNvPicPr>
+          <p:nvPr/>
+        </p:nvPicPr>
+        <p:blipFill>
+          <a:blip r:embed="rId2">
+            <a:extLst>
+              <a:ext uri="{28A0092B-C50C-407E-A947-70E740481C1C}">
+                <a14:useLocalDpi xmlns:a14="http://schemas.microsoft.com/office/drawing/2010/main" val="0"/>
+              </a:ext>
+            </a:extLst>
+          </a:blip>
+          <a:stretch>
+            <a:fillRect/>
+          </a:stretch>
+        </p:blipFill>
+        <p:spPr>
+          <a:xfrm>
+            <a:off x="3107790" y="292896"/>
+            <a:ext cx="5276473" cy="6063454"/>
+          </a:xfrm>
+          <a:prstGeom prst="rect">
+            <a:avLst/>
+          </a:prstGeom>
+        </p:spPr>
+      </p:pic>
       <p:sp>
         <p:nvSpPr>
           <p:cNvPr id="4" name="Chỗ dành sẵn cho Chân trang 3">
             <a:extLst>
               <a:ext uri="{FF2B5EF4-FFF2-40B4-BE49-F238E27FC236}">
-                <a16:creationId xmlns:a16="http://schemas.microsoft.com/office/drawing/2014/main" id="{0E05E163-1486-46CB-8CF8-30A018B50C2C}"/>
+                <a16:creationId xmlns:a16="http://schemas.microsoft.com/office/drawing/2014/main" xmlns="" id="{0E05E163-1486-46CB-8CF8-30A018B50C2C}"/>
               </a:ext>
             </a:extLst>
           </p:cNvPr>
@@ -11150,7 +11267,7 @@
           <p:cNvPr id="5" name="Chỗ dành sẵn cho Số hiệu Bản chiếu 4">
             <a:extLst>
               <a:ext uri="{FF2B5EF4-FFF2-40B4-BE49-F238E27FC236}">
-                <a16:creationId xmlns:a16="http://schemas.microsoft.com/office/drawing/2014/main" id="{A5405A21-6B35-46E0-B94E-C58D565DA5E3}"/>
+                <a16:creationId xmlns:a16="http://schemas.microsoft.com/office/drawing/2014/main" xmlns="" id="{A5405A21-6B35-46E0-B94E-C58D565DA5E3}"/>
               </a:ext>
             </a:extLst>
           </p:cNvPr>
@@ -11179,7 +11296,7 @@
           <p:cNvPr id="6" name="TextBox 14">
             <a:extLst>
               <a:ext uri="{FF2B5EF4-FFF2-40B4-BE49-F238E27FC236}">
-                <a16:creationId xmlns:a16="http://schemas.microsoft.com/office/drawing/2014/main" id="{61DF59DE-CF92-4F3C-A559-84D6D37D8BEE}"/>
+                <a16:creationId xmlns:a16="http://schemas.microsoft.com/office/drawing/2014/main" xmlns="" id="{61DF59DE-CF92-4F3C-A559-84D6D37D8BEE}"/>
               </a:ext>
             </a:extLst>
           </p:cNvPr>
@@ -11203,18 +11320,11 @@
           <a:lstStyle/>
           <a:p>
             <a:r>
-              <a:rPr lang="en-GB" sz="3200" dirty="0" err="1">
-                <a:latin typeface="Nunito" panose="00000500000000000000" pitchFamily="2" charset="0"/>
+              <a:rPr lang="en-GB" sz="3200" dirty="0">
+                <a:latin typeface="Roboto" panose="02000000000000000000" pitchFamily="2" charset="0"/>
                 <a:ea typeface="Roboto" panose="02000000000000000000" pitchFamily="2" charset="0"/>
               </a:rPr>
-              <a:t>Usercase</a:t>
-            </a:r>
-            <a:r>
-              <a:rPr lang="en-GB" sz="3200" dirty="0">
-                <a:latin typeface="Nunito" panose="00000500000000000000" pitchFamily="2" charset="0"/>
-                <a:ea typeface="Roboto" panose="02000000000000000000" pitchFamily="2" charset="0"/>
-              </a:rPr>
-              <a:t> Diagram</a:t>
+              <a:t>Usercase Diagram</a:t>
             </a:r>
           </a:p>
         </p:txBody>
@@ -11224,7 +11334,7 @@
           <p:cNvPr id="7" name="Group 10">
             <a:extLst>
               <a:ext uri="{FF2B5EF4-FFF2-40B4-BE49-F238E27FC236}">
-                <a16:creationId xmlns:a16="http://schemas.microsoft.com/office/drawing/2014/main" id="{4DD18C37-E5C5-40B8-B92A-2EBCA33A97B8}"/>
+                <a16:creationId xmlns:a16="http://schemas.microsoft.com/office/drawing/2014/main" xmlns="" id="{4DD18C37-E5C5-40B8-B92A-2EBCA33A97B8}"/>
               </a:ext>
             </a:extLst>
           </p:cNvPr>
@@ -11247,7 +11357,7 @@
             <p:cNvPr id="8" name="Freeform: Shape 11">
               <a:extLst>
                 <a:ext uri="{FF2B5EF4-FFF2-40B4-BE49-F238E27FC236}">
-                  <a16:creationId xmlns:a16="http://schemas.microsoft.com/office/drawing/2014/main" id="{B926F6D5-512D-4FBE-86C7-F8E82A0C5E9B}"/>
+                  <a16:creationId xmlns:a16="http://schemas.microsoft.com/office/drawing/2014/main" xmlns="" id="{B926F6D5-512D-4FBE-86C7-F8E82A0C5E9B}"/>
                 </a:ext>
               </a:extLst>
             </p:cNvPr>
@@ -11340,7 +11450,7 @@
             <p:cNvPr id="9" name="Hexagon 12">
               <a:extLst>
                 <a:ext uri="{FF2B5EF4-FFF2-40B4-BE49-F238E27FC236}">
-                  <a16:creationId xmlns:a16="http://schemas.microsoft.com/office/drawing/2014/main" id="{31737F50-8209-48D4-83E6-A3D396530FB4}"/>
+                  <a16:creationId xmlns:a16="http://schemas.microsoft.com/office/drawing/2014/main" xmlns="" id="{31737F50-8209-48D4-83E6-A3D396530FB4}"/>
                 </a:ext>
               </a:extLst>
             </p:cNvPr>
@@ -11394,7 +11504,7 @@
             <p:cNvPr id="10" name="Freeform: Shape 13">
               <a:extLst>
                 <a:ext uri="{FF2B5EF4-FFF2-40B4-BE49-F238E27FC236}">
-                  <a16:creationId xmlns:a16="http://schemas.microsoft.com/office/drawing/2014/main" id="{6F1A6D62-ECAB-43EA-B208-D0B68648096A}"/>
+                  <a16:creationId xmlns:a16="http://schemas.microsoft.com/office/drawing/2014/main" xmlns="" id="{6F1A6D62-ECAB-43EA-B208-D0B68648096A}"/>
                 </a:ext>
               </a:extLst>
             </p:cNvPr>
@@ -11499,48 +11609,12 @@
           </p:txBody>
         </p:sp>
       </p:grpSp>
-      <p:pic>
-        <p:nvPicPr>
-          <p:cNvPr id="13" name="Hình ảnh 12">
-            <a:extLst>
-              <a:ext uri="{FF2B5EF4-FFF2-40B4-BE49-F238E27FC236}">
-                <a16:creationId xmlns:a16="http://schemas.microsoft.com/office/drawing/2014/main" id="{FF1C71DB-9C4E-4A4C-B33F-9A18821987D7}"/>
-              </a:ext>
-            </a:extLst>
-          </p:cNvPr>
-          <p:cNvPicPr>
-            <a:picLocks noChangeAspect="1"/>
-          </p:cNvPicPr>
-          <p:nvPr/>
-        </p:nvPicPr>
-        <p:blipFill>
-          <a:blip r:embed="rId2">
-            <a:extLst>
-              <a:ext uri="{28A0092B-C50C-407E-A947-70E740481C1C}">
-                <a14:useLocalDpi xmlns:a14="http://schemas.microsoft.com/office/drawing/2010/main" val="0"/>
-              </a:ext>
-            </a:extLst>
-          </a:blip>
-          <a:stretch>
-            <a:fillRect/>
-          </a:stretch>
-        </p:blipFill>
-        <p:spPr>
-          <a:xfrm>
-            <a:off x="3033840" y="921588"/>
-            <a:ext cx="4987942" cy="5445170"/>
-          </a:xfrm>
-          <a:prstGeom prst="rect">
-            <a:avLst/>
-          </a:prstGeom>
-        </p:spPr>
-      </p:pic>
       <p:sp>
         <p:nvSpPr>
           <p:cNvPr id="14" name="Hộp Văn bản 13">
             <a:extLst>
               <a:ext uri="{FF2B5EF4-FFF2-40B4-BE49-F238E27FC236}">
-                <a16:creationId xmlns:a16="http://schemas.microsoft.com/office/drawing/2014/main" id="{1ABD3FD1-0D31-4887-A9A5-14571099C4CD}"/>
+                <a16:creationId xmlns:a16="http://schemas.microsoft.com/office/drawing/2014/main" xmlns="" id="{1ABD3FD1-0D31-4887-A9A5-14571099C4CD}"/>
               </a:ext>
             </a:extLst>
           </p:cNvPr>
@@ -11564,7 +11638,9 @@
           <a:lstStyle/>
           <a:p>
             <a:r>
-              <a:rPr lang="en-US" dirty="0"/>
+              <a:rPr lang="en-US" dirty="0">
+                <a:latin typeface="Nunito" panose="00000500000000000000" pitchFamily="2" charset="0"/>
+              </a:rPr>
               <a:t>Admin</a:t>
             </a:r>
           </a:p>
@@ -11575,7 +11651,7 @@
           <p:cNvPr id="15" name="Picture 27">
             <a:extLst>
               <a:ext uri="{FF2B5EF4-FFF2-40B4-BE49-F238E27FC236}">
-                <a16:creationId xmlns:a16="http://schemas.microsoft.com/office/drawing/2014/main" id="{B1DCE754-9D72-4F16-A7D6-604124F410EF}"/>
+                <a16:creationId xmlns:a16="http://schemas.microsoft.com/office/drawing/2014/main" xmlns="" id="{B1DCE754-9D72-4F16-A7D6-604124F410EF}"/>
               </a:ext>
             </a:extLst>
           </p:cNvPr>
@@ -11820,7 +11896,7 @@
           <p:cNvPr id="4" name="Chỗ dành sẵn cho Chân trang 3">
             <a:extLst>
               <a:ext uri="{FF2B5EF4-FFF2-40B4-BE49-F238E27FC236}">
-                <a16:creationId xmlns:a16="http://schemas.microsoft.com/office/drawing/2014/main" id="{21ECBF59-7B66-48C6-A8B9-2653ED115E1F}"/>
+                <a16:creationId xmlns:a16="http://schemas.microsoft.com/office/drawing/2014/main" xmlns="" id="{21ECBF59-7B66-48C6-A8B9-2653ED115E1F}"/>
               </a:ext>
             </a:extLst>
           </p:cNvPr>
@@ -11849,7 +11925,7 @@
           <p:cNvPr id="5" name="Chỗ dành sẵn cho Số hiệu Bản chiếu 4">
             <a:extLst>
               <a:ext uri="{FF2B5EF4-FFF2-40B4-BE49-F238E27FC236}">
-                <a16:creationId xmlns:a16="http://schemas.microsoft.com/office/drawing/2014/main" id="{AAAF2169-4406-4275-80B8-58246F7EF001}"/>
+                <a16:creationId xmlns:a16="http://schemas.microsoft.com/office/drawing/2014/main" xmlns="" id="{AAAF2169-4406-4275-80B8-58246F7EF001}"/>
               </a:ext>
             </a:extLst>
           </p:cNvPr>
@@ -11878,7 +11954,7 @@
           <p:cNvPr id="7" name="Group 10">
             <a:extLst>
               <a:ext uri="{FF2B5EF4-FFF2-40B4-BE49-F238E27FC236}">
-                <a16:creationId xmlns:a16="http://schemas.microsoft.com/office/drawing/2014/main" id="{600A1EF7-3B3C-44AD-9CEA-B5CECEE74671}"/>
+                <a16:creationId xmlns:a16="http://schemas.microsoft.com/office/drawing/2014/main" xmlns="" id="{600A1EF7-3B3C-44AD-9CEA-B5CECEE74671}"/>
               </a:ext>
             </a:extLst>
           </p:cNvPr>
@@ -11901,7 +11977,7 @@
             <p:cNvPr id="8" name="Freeform: Shape 11">
               <a:extLst>
                 <a:ext uri="{FF2B5EF4-FFF2-40B4-BE49-F238E27FC236}">
-                  <a16:creationId xmlns:a16="http://schemas.microsoft.com/office/drawing/2014/main" id="{B20327CA-5D03-479B-85DB-35BBEB974980}"/>
+                  <a16:creationId xmlns:a16="http://schemas.microsoft.com/office/drawing/2014/main" xmlns="" id="{B20327CA-5D03-479B-85DB-35BBEB974980}"/>
                 </a:ext>
               </a:extLst>
             </p:cNvPr>
@@ -11994,7 +12070,7 @@
             <p:cNvPr id="9" name="Hexagon 12">
               <a:extLst>
                 <a:ext uri="{FF2B5EF4-FFF2-40B4-BE49-F238E27FC236}">
-                  <a16:creationId xmlns:a16="http://schemas.microsoft.com/office/drawing/2014/main" id="{3359D3B7-ED18-46AF-9EEB-7AFBFA766CE5}"/>
+                  <a16:creationId xmlns:a16="http://schemas.microsoft.com/office/drawing/2014/main" xmlns="" id="{3359D3B7-ED18-46AF-9EEB-7AFBFA766CE5}"/>
                 </a:ext>
               </a:extLst>
             </p:cNvPr>
@@ -12048,7 +12124,7 @@
             <p:cNvPr id="10" name="Freeform: Shape 13">
               <a:extLst>
                 <a:ext uri="{FF2B5EF4-FFF2-40B4-BE49-F238E27FC236}">
-                  <a16:creationId xmlns:a16="http://schemas.microsoft.com/office/drawing/2014/main" id="{37CA3FDB-85A2-4073-95D5-61EABC85DCBF}"/>
+                  <a16:creationId xmlns:a16="http://schemas.microsoft.com/office/drawing/2014/main" xmlns="" id="{37CA3FDB-85A2-4073-95D5-61EABC85DCBF}"/>
                 </a:ext>
               </a:extLst>
             </p:cNvPr>
@@ -12158,7 +12234,7 @@
           <p:cNvPr id="11" name="Hộp Văn bản 10">
             <a:extLst>
               <a:ext uri="{FF2B5EF4-FFF2-40B4-BE49-F238E27FC236}">
-                <a16:creationId xmlns:a16="http://schemas.microsoft.com/office/drawing/2014/main" id="{426AC31A-18C9-4FE7-AF49-8F9AE690F452}"/>
+                <a16:creationId xmlns:a16="http://schemas.microsoft.com/office/drawing/2014/main" xmlns="" id="{426AC31A-18C9-4FE7-AF49-8F9AE690F452}"/>
               </a:ext>
             </a:extLst>
           </p:cNvPr>
@@ -12168,7 +12244,7 @@
         <p:spPr>
           <a:xfrm>
             <a:off x="1433094" y="925265"/>
-            <a:ext cx="1039649" cy="369332"/>
+            <a:ext cx="1188186" cy="369332"/>
           </a:xfrm>
           <a:prstGeom prst="rect">
             <a:avLst/>
@@ -12182,55 +12258,23 @@
           <a:lstStyle/>
           <a:p>
             <a:r>
-              <a:rPr lang="en-US" dirty="0" err="1"/>
-              <a:t>Emplyee</a:t>
-            </a:r>
-            <a:endParaRPr lang="en-US" dirty="0"/>
+              <a:rPr lang="en-US" dirty="0" smtClean="0">
+                <a:latin typeface="Nunito" panose="00000500000000000000" pitchFamily="2" charset="0"/>
+              </a:rPr>
+              <a:t>Employee</a:t>
+            </a:r>
+            <a:endParaRPr lang="en-US" dirty="0">
+              <a:latin typeface="Nunito" panose="00000500000000000000" pitchFamily="2" charset="0"/>
+            </a:endParaRPr>
           </a:p>
         </p:txBody>
       </p:sp>
-      <p:pic>
-        <p:nvPicPr>
-          <p:cNvPr id="13" name="Hình ảnh 12">
-            <a:extLst>
-              <a:ext uri="{FF2B5EF4-FFF2-40B4-BE49-F238E27FC236}">
-                <a16:creationId xmlns:a16="http://schemas.microsoft.com/office/drawing/2014/main" id="{41B704DD-4C9A-47A4-8DE0-832E408C4C4D}"/>
-              </a:ext>
-            </a:extLst>
-          </p:cNvPr>
-          <p:cNvPicPr>
-            <a:picLocks noChangeAspect="1"/>
-          </p:cNvPicPr>
-          <p:nvPr/>
-        </p:nvPicPr>
-        <p:blipFill>
-          <a:blip r:embed="rId2">
-            <a:extLst>
-              <a:ext uri="{28A0092B-C50C-407E-A947-70E740481C1C}">
-                <a14:useLocalDpi xmlns:a14="http://schemas.microsoft.com/office/drawing/2010/main" val="0"/>
-              </a:ext>
-            </a:extLst>
-          </a:blip>
-          <a:stretch>
-            <a:fillRect/>
-          </a:stretch>
-        </p:blipFill>
-        <p:spPr>
-          <a:xfrm>
-            <a:off x="2914087" y="1109931"/>
-            <a:ext cx="5696513" cy="5166978"/>
-          </a:xfrm>
-          <a:prstGeom prst="rect">
-            <a:avLst/>
-          </a:prstGeom>
-        </p:spPr>
-      </p:pic>
       <p:sp>
         <p:nvSpPr>
           <p:cNvPr id="14" name="TextBox 14">
             <a:extLst>
               <a:ext uri="{FF2B5EF4-FFF2-40B4-BE49-F238E27FC236}">
-                <a16:creationId xmlns:a16="http://schemas.microsoft.com/office/drawing/2014/main" id="{1D8B3126-EA43-4E2A-A01D-C16338F9328F}"/>
+                <a16:creationId xmlns:a16="http://schemas.microsoft.com/office/drawing/2014/main" xmlns="" id="{1D8B3126-EA43-4E2A-A01D-C16338F9328F}"/>
               </a:ext>
             </a:extLst>
           </p:cNvPr>
@@ -12254,18 +12298,11 @@
           <a:lstStyle/>
           <a:p>
             <a:r>
-              <a:rPr lang="en-GB" sz="3200" dirty="0" err="1">
-                <a:latin typeface="Nunito" panose="00000500000000000000" pitchFamily="2" charset="0"/>
+              <a:rPr lang="en-GB" sz="3200" dirty="0">
+                <a:latin typeface="Roboto" panose="02000000000000000000" pitchFamily="2" charset="0"/>
                 <a:ea typeface="Roboto" panose="02000000000000000000" pitchFamily="2" charset="0"/>
               </a:rPr>
-              <a:t>Usercase</a:t>
-            </a:r>
-            <a:r>
-              <a:rPr lang="en-GB" sz="3200" dirty="0">
-                <a:latin typeface="Nunito" panose="00000500000000000000" pitchFamily="2" charset="0"/>
-                <a:ea typeface="Roboto" panose="02000000000000000000" pitchFamily="2" charset="0"/>
-              </a:rPr>
-              <a:t> Diagram</a:t>
+              <a:t>Usercase Diagram</a:t>
             </a:r>
           </a:p>
         </p:txBody>
@@ -12275,7 +12312,7 @@
           <p:cNvPr id="15" name="Picture 27">
             <a:extLst>
               <a:ext uri="{FF2B5EF4-FFF2-40B4-BE49-F238E27FC236}">
-                <a16:creationId xmlns:a16="http://schemas.microsoft.com/office/drawing/2014/main" id="{8964E3BD-76A7-4645-85D4-0210449D9A4F}"/>
+                <a16:creationId xmlns:a16="http://schemas.microsoft.com/office/drawing/2014/main" xmlns="" id="{8964E3BD-76A7-4645-85D4-0210449D9A4F}"/>
               </a:ext>
             </a:extLst>
           </p:cNvPr>
@@ -12285,7 +12322,7 @@
           <p:nvPr/>
         </p:nvPicPr>
         <p:blipFill>
-          <a:blip r:embed="rId3" cstate="print">
+          <a:blip r:embed="rId2" cstate="print">
             <a:extLst>
               <a:ext uri="{28A0092B-C50C-407E-A947-70E740481C1C}">
                 <a14:useLocalDpi xmlns:a14="http://schemas.microsoft.com/office/drawing/2010/main" val="0"/>
@@ -12300,6 +12337,36 @@
           <a:xfrm>
             <a:off x="9982200" y="407196"/>
             <a:ext cx="1632625" cy="382647"/>
+          </a:xfrm>
+          <a:prstGeom prst="rect">
+            <a:avLst/>
+          </a:prstGeom>
+        </p:spPr>
+      </p:pic>
+      <p:pic>
+        <p:nvPicPr>
+          <p:cNvPr id="3" name="Picture 2"/>
+          <p:cNvPicPr>
+            <a:picLocks noChangeAspect="1"/>
+          </p:cNvPicPr>
+          <p:nvPr/>
+        </p:nvPicPr>
+        <p:blipFill>
+          <a:blip r:embed="rId3">
+            <a:extLst>
+              <a:ext uri="{28A0092B-C50C-407E-A947-70E740481C1C}">
+                <a14:useLocalDpi xmlns:a14="http://schemas.microsoft.com/office/drawing/2010/main" val="0"/>
+              </a:ext>
+            </a:extLst>
+          </a:blip>
+          <a:stretch>
+            <a:fillRect/>
+          </a:stretch>
+        </p:blipFill>
+        <p:spPr>
+          <a:xfrm>
+            <a:off x="3382885" y="1109931"/>
+            <a:ext cx="5426229" cy="4914176"/>
           </a:xfrm>
           <a:prstGeom prst="rect">
             <a:avLst/>
@@ -12520,7 +12587,7 @@
           <p:cNvPr id="4" name="Chỗ dành sẵn cho Chân trang 3">
             <a:extLst>
               <a:ext uri="{FF2B5EF4-FFF2-40B4-BE49-F238E27FC236}">
-                <a16:creationId xmlns:a16="http://schemas.microsoft.com/office/drawing/2014/main" id="{21ECBF59-7B66-48C6-A8B9-2653ED115E1F}"/>
+                <a16:creationId xmlns:a16="http://schemas.microsoft.com/office/drawing/2014/main" xmlns="" id="{21ECBF59-7B66-48C6-A8B9-2653ED115E1F}"/>
               </a:ext>
             </a:extLst>
           </p:cNvPr>
@@ -12549,7 +12616,7 @@
           <p:cNvPr id="5" name="Chỗ dành sẵn cho Số hiệu Bản chiếu 4">
             <a:extLst>
               <a:ext uri="{FF2B5EF4-FFF2-40B4-BE49-F238E27FC236}">
-                <a16:creationId xmlns:a16="http://schemas.microsoft.com/office/drawing/2014/main" id="{AAAF2169-4406-4275-80B8-58246F7EF001}"/>
+                <a16:creationId xmlns:a16="http://schemas.microsoft.com/office/drawing/2014/main" xmlns="" id="{AAAF2169-4406-4275-80B8-58246F7EF001}"/>
               </a:ext>
             </a:extLst>
           </p:cNvPr>
@@ -12578,7 +12645,7 @@
           <p:cNvPr id="7" name="Group 10">
             <a:extLst>
               <a:ext uri="{FF2B5EF4-FFF2-40B4-BE49-F238E27FC236}">
-                <a16:creationId xmlns:a16="http://schemas.microsoft.com/office/drawing/2014/main" id="{600A1EF7-3B3C-44AD-9CEA-B5CECEE74671}"/>
+                <a16:creationId xmlns:a16="http://schemas.microsoft.com/office/drawing/2014/main" xmlns="" id="{600A1EF7-3B3C-44AD-9CEA-B5CECEE74671}"/>
               </a:ext>
             </a:extLst>
           </p:cNvPr>
@@ -12601,7 +12668,7 @@
             <p:cNvPr id="8" name="Freeform: Shape 11">
               <a:extLst>
                 <a:ext uri="{FF2B5EF4-FFF2-40B4-BE49-F238E27FC236}">
-                  <a16:creationId xmlns:a16="http://schemas.microsoft.com/office/drawing/2014/main" id="{B20327CA-5D03-479B-85DB-35BBEB974980}"/>
+                  <a16:creationId xmlns:a16="http://schemas.microsoft.com/office/drawing/2014/main" xmlns="" id="{B20327CA-5D03-479B-85DB-35BBEB974980}"/>
                 </a:ext>
               </a:extLst>
             </p:cNvPr>
@@ -12694,7 +12761,7 @@
             <p:cNvPr id="9" name="Hexagon 12">
               <a:extLst>
                 <a:ext uri="{FF2B5EF4-FFF2-40B4-BE49-F238E27FC236}">
-                  <a16:creationId xmlns:a16="http://schemas.microsoft.com/office/drawing/2014/main" id="{3359D3B7-ED18-46AF-9EEB-7AFBFA766CE5}"/>
+                  <a16:creationId xmlns:a16="http://schemas.microsoft.com/office/drawing/2014/main" xmlns="" id="{3359D3B7-ED18-46AF-9EEB-7AFBFA766CE5}"/>
                 </a:ext>
               </a:extLst>
             </p:cNvPr>
@@ -12748,7 +12815,7 @@
             <p:cNvPr id="10" name="Freeform: Shape 13">
               <a:extLst>
                 <a:ext uri="{FF2B5EF4-FFF2-40B4-BE49-F238E27FC236}">
-                  <a16:creationId xmlns:a16="http://schemas.microsoft.com/office/drawing/2014/main" id="{37CA3FDB-85A2-4073-95D5-61EABC85DCBF}"/>
+                  <a16:creationId xmlns:a16="http://schemas.microsoft.com/office/drawing/2014/main" xmlns="" id="{37CA3FDB-85A2-4073-95D5-61EABC85DCBF}"/>
                 </a:ext>
               </a:extLst>
             </p:cNvPr>
@@ -12858,7 +12925,7 @@
           <p:cNvPr id="11" name="Hộp Văn bản 10">
             <a:extLst>
               <a:ext uri="{FF2B5EF4-FFF2-40B4-BE49-F238E27FC236}">
-                <a16:creationId xmlns:a16="http://schemas.microsoft.com/office/drawing/2014/main" id="{4C154767-EF1F-4B98-9B53-1F870CF8BDFE}"/>
+                <a16:creationId xmlns:a16="http://schemas.microsoft.com/office/drawing/2014/main" xmlns="" id="{4C154767-EF1F-4B98-9B53-1F870CF8BDFE}"/>
               </a:ext>
             </a:extLst>
           </p:cNvPr>
@@ -12882,7 +12949,9 @@
           <a:lstStyle/>
           <a:p>
             <a:r>
-              <a:rPr lang="en-US" dirty="0"/>
+              <a:rPr lang="en-US" dirty="0">
+                <a:latin typeface="Nunito" panose="00000500000000000000" pitchFamily="2" charset="0"/>
+              </a:rPr>
               <a:t>User</a:t>
             </a:r>
           </a:p>
@@ -12893,7 +12962,7 @@
           <p:cNvPr id="12" name="TextBox 14">
             <a:extLst>
               <a:ext uri="{FF2B5EF4-FFF2-40B4-BE49-F238E27FC236}">
-                <a16:creationId xmlns:a16="http://schemas.microsoft.com/office/drawing/2014/main" id="{78ADBFC4-346B-44B5-B45B-B3CA14F4A875}"/>
+                <a16:creationId xmlns:a16="http://schemas.microsoft.com/office/drawing/2014/main" xmlns="" id="{78ADBFC4-346B-44B5-B45B-B3CA14F4A875}"/>
               </a:ext>
             </a:extLst>
           </p:cNvPr>
@@ -12917,28 +12986,21 @@
           <a:lstStyle/>
           <a:p>
             <a:r>
-              <a:rPr lang="en-GB" sz="3200" dirty="0" err="1">
-                <a:latin typeface="Nunito" panose="00000500000000000000" pitchFamily="2" charset="0"/>
+              <a:rPr lang="en-GB" sz="3200" dirty="0">
+                <a:latin typeface="Roboto" panose="02000000000000000000" pitchFamily="2" charset="0"/>
                 <a:ea typeface="Roboto" panose="02000000000000000000" pitchFamily="2" charset="0"/>
               </a:rPr>
-              <a:t>Usercase</a:t>
-            </a:r>
-            <a:r>
-              <a:rPr lang="en-GB" sz="3200" dirty="0">
-                <a:latin typeface="Nunito" panose="00000500000000000000" pitchFamily="2" charset="0"/>
-                <a:ea typeface="Roboto" panose="02000000000000000000" pitchFamily="2" charset="0"/>
-              </a:rPr>
-              <a:t> Diagram</a:t>
+              <a:t>Usercase Diagram</a:t>
             </a:r>
           </a:p>
         </p:txBody>
       </p:sp>
       <p:pic>
         <p:nvPicPr>
-          <p:cNvPr id="3" name="Hình ảnh 2">
+          <p:cNvPr id="13" name="Picture 27">
             <a:extLst>
               <a:ext uri="{FF2B5EF4-FFF2-40B4-BE49-F238E27FC236}">
-                <a16:creationId xmlns:a16="http://schemas.microsoft.com/office/drawing/2014/main" id="{B964C19A-5EE5-4255-8F70-7A4763EA4F69}"/>
+                <a16:creationId xmlns:a16="http://schemas.microsoft.com/office/drawing/2014/main" xmlns="" id="{39FBFB0E-FF58-4B83-BB89-7A2388115823}"/>
               </a:ext>
             </a:extLst>
           </p:cNvPr>
@@ -12948,43 +13010,7 @@
           <p:nvPr/>
         </p:nvPicPr>
         <p:blipFill>
-          <a:blip r:embed="rId2">
-            <a:extLst>
-              <a:ext uri="{28A0092B-C50C-407E-A947-70E740481C1C}">
-                <a14:useLocalDpi xmlns:a14="http://schemas.microsoft.com/office/drawing/2010/main" val="0"/>
-              </a:ext>
-            </a:extLst>
-          </a:blip>
-          <a:stretch>
-            <a:fillRect/>
-          </a:stretch>
-        </p:blipFill>
-        <p:spPr>
-          <a:xfrm>
-            <a:off x="3293143" y="733245"/>
-            <a:ext cx="5605714" cy="5550935"/>
-          </a:xfrm>
-          <a:prstGeom prst="rect">
-            <a:avLst/>
-          </a:prstGeom>
-        </p:spPr>
-      </p:pic>
-      <p:pic>
-        <p:nvPicPr>
-          <p:cNvPr id="13" name="Picture 27">
-            <a:extLst>
-              <a:ext uri="{FF2B5EF4-FFF2-40B4-BE49-F238E27FC236}">
-                <a16:creationId xmlns:a16="http://schemas.microsoft.com/office/drawing/2014/main" id="{39FBFB0E-FF58-4B83-BB89-7A2388115823}"/>
-              </a:ext>
-            </a:extLst>
-          </p:cNvPr>
-          <p:cNvPicPr>
-            <a:picLocks noChangeAspect="1"/>
-          </p:cNvPicPr>
-          <p:nvPr/>
-        </p:nvPicPr>
-        <p:blipFill>
-          <a:blip r:embed="rId3" cstate="print">
+          <a:blip r:embed="rId2" cstate="print">
             <a:extLst>
               <a:ext uri="{28A0092B-C50C-407E-A947-70E740481C1C}">
                 <a14:useLocalDpi xmlns:a14="http://schemas.microsoft.com/office/drawing/2010/main" val="0"/>
@@ -12999,6 +13025,36 @@
           <a:xfrm>
             <a:off x="9982200" y="407196"/>
             <a:ext cx="1632625" cy="382647"/>
+          </a:xfrm>
+          <a:prstGeom prst="rect">
+            <a:avLst/>
+          </a:prstGeom>
+        </p:spPr>
+      </p:pic>
+      <p:pic>
+        <p:nvPicPr>
+          <p:cNvPr id="6" name="Picture 5"/>
+          <p:cNvPicPr>
+            <a:picLocks noChangeAspect="1"/>
+          </p:cNvPicPr>
+          <p:nvPr/>
+        </p:nvPicPr>
+        <p:blipFill>
+          <a:blip r:embed="rId3">
+            <a:extLst>
+              <a:ext uri="{28A0092B-C50C-407E-A947-70E740481C1C}">
+                <a14:useLocalDpi xmlns:a14="http://schemas.microsoft.com/office/drawing/2010/main" val="0"/>
+              </a:ext>
+            </a:extLst>
+          </a:blip>
+          <a:stretch>
+            <a:fillRect/>
+          </a:stretch>
+        </p:blipFill>
+        <p:spPr>
+          <a:xfrm>
+            <a:off x="2590257" y="789843"/>
+            <a:ext cx="7011486" cy="5129167"/>
           </a:xfrm>
           <a:prstGeom prst="rect">
             <a:avLst/>
